--- a/Supreme internect demo 1.pptx
+++ b/Supreme internect demo 1.pptx
@@ -7,14 +7,15 @@
   <p:sldIdLst>
     <p:sldId id="256" r:id="rId2"/>
     <p:sldId id="257" r:id="rId3"/>
-    <p:sldId id="258" r:id="rId4"/>
+    <p:sldId id="269" r:id="rId4"/>
     <p:sldId id="259" r:id="rId5"/>
     <p:sldId id="267" r:id="rId6"/>
     <p:sldId id="260" r:id="rId7"/>
     <p:sldId id="266" r:id="rId8"/>
-    <p:sldId id="265" r:id="rId9"/>
-    <p:sldId id="261" r:id="rId10"/>
-    <p:sldId id="268" r:id="rId11"/>
+    <p:sldId id="270" r:id="rId9"/>
+    <p:sldId id="265" r:id="rId10"/>
+    <p:sldId id="261" r:id="rId11"/>
+    <p:sldId id="268" r:id="rId12"/>
   </p:sldIdLst>
   <p:sldSz cx="12192000" cy="6858000"/>
   <p:notesSz cx="6858000" cy="9144000"/>
@@ -171,7 +172,7 @@
           <a:noFill/>
           <a:extLst>
             <a:ext uri="{909E8E84-426E-40dd-AFC4-6F175D3DCCD1}">
-              <a14:hiddenFill xmlns="" xmlns:a14="http://schemas.microsoft.com/office/drawing/2010/main">
+              <a14:hiddenFill xmlns:a14="http://schemas.microsoft.com/office/drawing/2010/main" xmlns="">
                 <a:solidFill>
                   <a:srgbClr val="FFFFFF"/>
                 </a:solidFill>
@@ -231,7 +232,7 @@
             </a:ln>
             <a:extLst>
               <a:ext uri="{91240B29-F687-4f45-9708-019B960494DF}">
-                <a14:hiddenLine xmlns="" xmlns:a14="http://schemas.microsoft.com/office/drawing/2010/main" w="9525">
+                <a14:hiddenLine xmlns:a14="http://schemas.microsoft.com/office/drawing/2010/main" xmlns="" w="9525">
                   <a:solidFill>
                     <a:srgbClr val="000000"/>
                   </a:solidFill>
@@ -321,7 +322,7 @@
             </a:ln>
             <a:extLst>
               <a:ext uri="{91240B29-F687-4f45-9708-019B960494DF}">
-                <a14:hiddenLine xmlns="" xmlns:a14="http://schemas.microsoft.com/office/drawing/2010/main" w="9525">
+                <a14:hiddenLine xmlns:a14="http://schemas.microsoft.com/office/drawing/2010/main" xmlns="" w="9525">
                   <a:solidFill>
                     <a:srgbClr val="000000"/>
                   </a:solidFill>
@@ -411,7 +412,7 @@
             </a:ln>
             <a:extLst>
               <a:ext uri="{91240B29-F687-4f45-9708-019B960494DF}">
-                <a14:hiddenLine xmlns="" xmlns:a14="http://schemas.microsoft.com/office/drawing/2010/main" w="9525">
+                <a14:hiddenLine xmlns:a14="http://schemas.microsoft.com/office/drawing/2010/main" xmlns="" w="9525">
                   <a:solidFill>
                     <a:srgbClr val="000000"/>
                   </a:solidFill>
@@ -445,7 +446,7 @@
             </a:ln>
             <a:extLst>
               <a:ext uri="{91240B29-F687-4f45-9708-019B960494DF}">
-                <a14:hiddenLine xmlns="" xmlns:a14="http://schemas.microsoft.com/office/drawing/2010/main" w="9525">
+                <a14:hiddenLine xmlns:a14="http://schemas.microsoft.com/office/drawing/2010/main" xmlns="" w="9525">
                   <a:solidFill>
                     <a:srgbClr val="000000"/>
                   </a:solidFill>
@@ -535,7 +536,7 @@
             </a:ln>
             <a:extLst>
               <a:ext uri="{91240B29-F687-4f45-9708-019B960494DF}">
-                <a14:hiddenLine xmlns="" xmlns:a14="http://schemas.microsoft.com/office/drawing/2010/main" w="9525">
+                <a14:hiddenLine xmlns:a14="http://schemas.microsoft.com/office/drawing/2010/main" xmlns="" w="9525">
                   <a:solidFill>
                     <a:srgbClr val="000000"/>
                   </a:solidFill>
@@ -597,7 +598,7 @@
             </a:ln>
             <a:extLst>
               <a:ext uri="{91240B29-F687-4f45-9708-019B960494DF}">
-                <a14:hiddenLine xmlns="" xmlns:a14="http://schemas.microsoft.com/office/drawing/2010/main" w="9525">
+                <a14:hiddenLine xmlns:a14="http://schemas.microsoft.com/office/drawing/2010/main" xmlns="" w="9525">
                   <a:solidFill>
                     <a:srgbClr val="000000"/>
                   </a:solidFill>
@@ -659,7 +660,7 @@
             </a:ln>
             <a:extLst>
               <a:ext uri="{91240B29-F687-4f45-9708-019B960494DF}">
-                <a14:hiddenLine xmlns="" xmlns:a14="http://schemas.microsoft.com/office/drawing/2010/main" w="9525">
+                <a14:hiddenLine xmlns:a14="http://schemas.microsoft.com/office/drawing/2010/main" xmlns="" w="9525">
                   <a:solidFill>
                     <a:srgbClr val="000000"/>
                   </a:solidFill>
@@ -749,7 +750,7 @@
             </a:ln>
             <a:extLst>
               <a:ext uri="{91240B29-F687-4f45-9708-019B960494DF}">
-                <a14:hiddenLine xmlns="" xmlns:a14="http://schemas.microsoft.com/office/drawing/2010/main" w="9525">
+                <a14:hiddenLine xmlns:a14="http://schemas.microsoft.com/office/drawing/2010/main" xmlns="" w="9525">
                   <a:solidFill>
                     <a:srgbClr val="000000"/>
                   </a:solidFill>
@@ -811,7 +812,7 @@
             </a:ln>
             <a:extLst>
               <a:ext uri="{91240B29-F687-4f45-9708-019B960494DF}">
-                <a14:hiddenLine xmlns="" xmlns:a14="http://schemas.microsoft.com/office/drawing/2010/main" w="9525">
+                <a14:hiddenLine xmlns:a14="http://schemas.microsoft.com/office/drawing/2010/main" xmlns="" w="9525">
                   <a:solidFill>
                     <a:srgbClr val="000000"/>
                   </a:solidFill>
@@ -873,7 +874,7 @@
             </a:ln>
             <a:extLst>
               <a:ext uri="{91240B29-F687-4f45-9708-019B960494DF}">
-                <a14:hiddenLine xmlns="" xmlns:a14="http://schemas.microsoft.com/office/drawing/2010/main" w="9525">
+                <a14:hiddenLine xmlns:a14="http://schemas.microsoft.com/office/drawing/2010/main" xmlns="" w="9525">
                   <a:solidFill>
                     <a:srgbClr val="000000"/>
                   </a:solidFill>
@@ -963,7 +964,7 @@
             </a:ln>
             <a:extLst>
               <a:ext uri="{91240B29-F687-4f45-9708-019B960494DF}">
-                <a14:hiddenLine xmlns="" xmlns:a14="http://schemas.microsoft.com/office/drawing/2010/main" w="9525">
+                <a14:hiddenLine xmlns:a14="http://schemas.microsoft.com/office/drawing/2010/main" xmlns="" w="9525">
                   <a:solidFill>
                     <a:srgbClr val="000000"/>
                   </a:solidFill>
@@ -1053,7 +1054,7 @@
             </a:ln>
             <a:extLst>
               <a:ext uri="{91240B29-F687-4f45-9708-019B960494DF}">
-                <a14:hiddenLine xmlns="" xmlns:a14="http://schemas.microsoft.com/office/drawing/2010/main" w="9525">
+                <a14:hiddenLine xmlns:a14="http://schemas.microsoft.com/office/drawing/2010/main" xmlns="" w="9525">
                   <a:solidFill>
                     <a:srgbClr val="000000"/>
                   </a:solidFill>
@@ -1115,7 +1116,7 @@
             </a:ln>
             <a:extLst>
               <a:ext uri="{91240B29-F687-4f45-9708-019B960494DF}">
-                <a14:hiddenLine xmlns="" xmlns:a14="http://schemas.microsoft.com/office/drawing/2010/main" w="9525">
+                <a14:hiddenLine xmlns:a14="http://schemas.microsoft.com/office/drawing/2010/main" xmlns="" w="9525">
                   <a:solidFill>
                     <a:srgbClr val="000000"/>
                   </a:solidFill>
@@ -1225,7 +1226,7 @@
             </a:ln>
             <a:extLst>
               <a:ext uri="{91240B29-F687-4f45-9708-019B960494DF}">
-                <a14:hiddenLine xmlns="" xmlns:a14="http://schemas.microsoft.com/office/drawing/2010/main" w="9525">
+                <a14:hiddenLine xmlns:a14="http://schemas.microsoft.com/office/drawing/2010/main" xmlns="" w="9525">
                   <a:solidFill>
                     <a:srgbClr val="000000"/>
                   </a:solidFill>
@@ -1287,7 +1288,7 @@
             </a:ln>
             <a:extLst>
               <a:ext uri="{91240B29-F687-4f45-9708-019B960494DF}">
-                <a14:hiddenLine xmlns="" xmlns:a14="http://schemas.microsoft.com/office/drawing/2010/main" w="9525">
+                <a14:hiddenLine xmlns:a14="http://schemas.microsoft.com/office/drawing/2010/main" xmlns="" w="9525">
                   <a:solidFill>
                     <a:srgbClr val="000000"/>
                   </a:solidFill>
@@ -1377,7 +1378,7 @@
             </a:ln>
             <a:extLst>
               <a:ext uri="{91240B29-F687-4f45-9708-019B960494DF}">
-                <a14:hiddenLine xmlns="" xmlns:a14="http://schemas.microsoft.com/office/drawing/2010/main" w="9525">
+                <a14:hiddenLine xmlns:a14="http://schemas.microsoft.com/office/drawing/2010/main" xmlns="" w="9525">
                   <a:solidFill>
                     <a:srgbClr val="000000"/>
                   </a:solidFill>
@@ -1467,7 +1468,7 @@
             </a:ln>
             <a:extLst>
               <a:ext uri="{91240B29-F687-4f45-9708-019B960494DF}">
-                <a14:hiddenLine xmlns="" xmlns:a14="http://schemas.microsoft.com/office/drawing/2010/main" w="9525">
+                <a14:hiddenLine xmlns:a14="http://schemas.microsoft.com/office/drawing/2010/main" xmlns="" w="9525">
                   <a:solidFill>
                     <a:srgbClr val="000000"/>
                   </a:solidFill>
@@ -1529,7 +1530,7 @@
             </a:ln>
             <a:extLst>
               <a:ext uri="{91240B29-F687-4f45-9708-019B960494DF}">
-                <a14:hiddenLine xmlns="" xmlns:a14="http://schemas.microsoft.com/office/drawing/2010/main" w="9525">
+                <a14:hiddenLine xmlns:a14="http://schemas.microsoft.com/office/drawing/2010/main" xmlns="" w="9525">
                   <a:solidFill>
                     <a:srgbClr val="000000"/>
                   </a:solidFill>
@@ -1619,7 +1620,7 @@
             </a:ln>
             <a:extLst>
               <a:ext uri="{91240B29-F687-4f45-9708-019B960494DF}">
-                <a14:hiddenLine xmlns="" xmlns:a14="http://schemas.microsoft.com/office/drawing/2010/main" w="9525">
+                <a14:hiddenLine xmlns:a14="http://schemas.microsoft.com/office/drawing/2010/main" xmlns="" w="9525">
                   <a:solidFill>
                     <a:srgbClr val="000000"/>
                   </a:solidFill>
@@ -1709,7 +1710,7 @@
             </a:ln>
             <a:extLst>
               <a:ext uri="{91240B29-F687-4f45-9708-019B960494DF}">
-                <a14:hiddenLine xmlns="" xmlns:a14="http://schemas.microsoft.com/office/drawing/2010/main" w="9525">
+                <a14:hiddenLine xmlns:a14="http://schemas.microsoft.com/office/drawing/2010/main" xmlns="" w="9525">
                   <a:solidFill>
                     <a:srgbClr val="000000"/>
                   </a:solidFill>
@@ -1765,7 +1766,7 @@
             </a:ln>
             <a:extLst>
               <a:ext uri="{91240B29-F687-4f45-9708-019B960494DF}">
-                <a14:hiddenLine xmlns="" xmlns:a14="http://schemas.microsoft.com/office/drawing/2010/main" w="9525">
+                <a14:hiddenLine xmlns:a14="http://schemas.microsoft.com/office/drawing/2010/main" xmlns="" w="9525">
                   <a:solidFill>
                     <a:srgbClr val="000000"/>
                   </a:solidFill>
@@ -1855,7 +1856,7 @@
             </a:ln>
             <a:extLst>
               <a:ext uri="{91240B29-F687-4f45-9708-019B960494DF}">
-                <a14:hiddenLine xmlns="" xmlns:a14="http://schemas.microsoft.com/office/drawing/2010/main" w="9525">
+                <a14:hiddenLine xmlns:a14="http://schemas.microsoft.com/office/drawing/2010/main" xmlns="" w="9525">
                   <a:solidFill>
                     <a:srgbClr val="000000"/>
                   </a:solidFill>
@@ -1911,7 +1912,7 @@
             </a:ln>
             <a:extLst>
               <a:ext uri="{91240B29-F687-4f45-9708-019B960494DF}">
-                <a14:hiddenLine xmlns="" xmlns:a14="http://schemas.microsoft.com/office/drawing/2010/main" w="9525">
+                <a14:hiddenLine xmlns:a14="http://schemas.microsoft.com/office/drawing/2010/main" xmlns="" w="9525">
                   <a:solidFill>
                     <a:srgbClr val="000000"/>
                   </a:solidFill>
@@ -2001,7 +2002,7 @@
             </a:ln>
             <a:extLst>
               <a:ext uri="{91240B29-F687-4f45-9708-019B960494DF}">
-                <a14:hiddenLine xmlns="" xmlns:a14="http://schemas.microsoft.com/office/drawing/2010/main" w="9525">
+                <a14:hiddenLine xmlns:a14="http://schemas.microsoft.com/office/drawing/2010/main" xmlns="" w="9525">
                   <a:solidFill>
                     <a:srgbClr val="000000"/>
                   </a:solidFill>
@@ -2069,7 +2070,7 @@
             </a:ln>
             <a:extLst>
               <a:ext uri="{91240B29-F687-4f45-9708-019B960494DF}">
-                <a14:hiddenLine xmlns="" xmlns:a14="http://schemas.microsoft.com/office/drawing/2010/main" w="9525">
+                <a14:hiddenLine xmlns:a14="http://schemas.microsoft.com/office/drawing/2010/main" xmlns="" w="9525">
                   <a:solidFill>
                     <a:srgbClr val="000000"/>
                   </a:solidFill>
@@ -2159,7 +2160,7 @@
             </a:ln>
             <a:extLst>
               <a:ext uri="{91240B29-F687-4f45-9708-019B960494DF}">
-                <a14:hiddenLine xmlns="" xmlns:a14="http://schemas.microsoft.com/office/drawing/2010/main" w="9525">
+                <a14:hiddenLine xmlns:a14="http://schemas.microsoft.com/office/drawing/2010/main" xmlns="" w="9525">
                   <a:solidFill>
                     <a:srgbClr val="000000"/>
                   </a:solidFill>
@@ -2227,7 +2228,7 @@
             </a:ln>
             <a:extLst>
               <a:ext uri="{91240B29-F687-4f45-9708-019B960494DF}">
-                <a14:hiddenLine xmlns="" xmlns:a14="http://schemas.microsoft.com/office/drawing/2010/main" w="9525">
+                <a14:hiddenLine xmlns:a14="http://schemas.microsoft.com/office/drawing/2010/main" xmlns="" w="9525">
                   <a:solidFill>
                     <a:srgbClr val="000000"/>
                   </a:solidFill>
@@ -2317,7 +2318,7 @@
             </a:ln>
             <a:extLst>
               <a:ext uri="{91240B29-F687-4f45-9708-019B960494DF}">
-                <a14:hiddenLine xmlns="" xmlns:a14="http://schemas.microsoft.com/office/drawing/2010/main" w="9525">
+                <a14:hiddenLine xmlns:a14="http://schemas.microsoft.com/office/drawing/2010/main" xmlns="" w="9525">
                   <a:solidFill>
                     <a:srgbClr val="000000"/>
                   </a:solidFill>
@@ -2351,7 +2352,7 @@
             </a:ln>
             <a:extLst>
               <a:ext uri="{91240B29-F687-4f45-9708-019B960494DF}">
-                <a14:hiddenLine xmlns="" xmlns:a14="http://schemas.microsoft.com/office/drawing/2010/main" w="9525">
+                <a14:hiddenLine xmlns:a14="http://schemas.microsoft.com/office/drawing/2010/main" xmlns="" w="9525">
                   <a:solidFill>
                     <a:srgbClr val="000000"/>
                   </a:solidFill>
@@ -2441,7 +2442,7 @@
             </a:ln>
             <a:extLst>
               <a:ext uri="{91240B29-F687-4f45-9708-019B960494DF}">
-                <a14:hiddenLine xmlns="" xmlns:a14="http://schemas.microsoft.com/office/drawing/2010/main" w="9525">
+                <a14:hiddenLine xmlns:a14="http://schemas.microsoft.com/office/drawing/2010/main" xmlns="" w="9525">
                   <a:solidFill>
                     <a:srgbClr val="000000"/>
                   </a:solidFill>
@@ -2503,7 +2504,7 @@
             </a:ln>
             <a:extLst>
               <a:ext uri="{91240B29-F687-4f45-9708-019B960494DF}">
-                <a14:hiddenLine xmlns="" xmlns:a14="http://schemas.microsoft.com/office/drawing/2010/main" w="9525">
+                <a14:hiddenLine xmlns:a14="http://schemas.microsoft.com/office/drawing/2010/main" xmlns="" w="9525">
                   <a:solidFill>
                     <a:srgbClr val="000000"/>
                   </a:solidFill>
@@ -2565,7 +2566,7 @@
             </a:ln>
             <a:extLst>
               <a:ext uri="{91240B29-F687-4f45-9708-019B960494DF}">
-                <a14:hiddenLine xmlns="" xmlns:a14="http://schemas.microsoft.com/office/drawing/2010/main" w="9525">
+                <a14:hiddenLine xmlns:a14="http://schemas.microsoft.com/office/drawing/2010/main" xmlns="" w="9525">
                   <a:solidFill>
                     <a:srgbClr val="000000"/>
                   </a:solidFill>
@@ -2655,7 +2656,7 @@
             </a:ln>
             <a:extLst>
               <a:ext uri="{91240B29-F687-4f45-9708-019B960494DF}">
-                <a14:hiddenLine xmlns="" xmlns:a14="http://schemas.microsoft.com/office/drawing/2010/main" w="9525">
+                <a14:hiddenLine xmlns:a14="http://schemas.microsoft.com/office/drawing/2010/main" xmlns="" w="9525">
                   <a:solidFill>
                     <a:srgbClr val="000000"/>
                   </a:solidFill>
@@ -2723,7 +2724,7 @@
             </a:ln>
             <a:extLst>
               <a:ext uri="{91240B29-F687-4f45-9708-019B960494DF}">
-                <a14:hiddenLine xmlns="" xmlns:a14="http://schemas.microsoft.com/office/drawing/2010/main" w="9525">
+                <a14:hiddenLine xmlns:a14="http://schemas.microsoft.com/office/drawing/2010/main" xmlns="" w="9525">
                   <a:solidFill>
                     <a:srgbClr val="000000"/>
                   </a:solidFill>
@@ -2785,7 +2786,7 @@
             </a:ln>
             <a:extLst>
               <a:ext uri="{91240B29-F687-4f45-9708-019B960494DF}">
-                <a14:hiddenLine xmlns="" xmlns:a14="http://schemas.microsoft.com/office/drawing/2010/main" w="9525">
+                <a14:hiddenLine xmlns:a14="http://schemas.microsoft.com/office/drawing/2010/main" xmlns="" w="9525">
                   <a:solidFill>
                     <a:srgbClr val="000000"/>
                   </a:solidFill>
@@ -2875,7 +2876,7 @@
             </a:ln>
             <a:extLst>
               <a:ext uri="{91240B29-F687-4f45-9708-019B960494DF}">
-                <a14:hiddenLine xmlns="" xmlns:a14="http://schemas.microsoft.com/office/drawing/2010/main" w="9525">
+                <a14:hiddenLine xmlns:a14="http://schemas.microsoft.com/office/drawing/2010/main" xmlns="" w="9525">
                   <a:solidFill>
                     <a:srgbClr val="000000"/>
                   </a:solidFill>
@@ -2937,7 +2938,7 @@
             </a:ln>
             <a:extLst>
               <a:ext uri="{91240B29-F687-4f45-9708-019B960494DF}">
-                <a14:hiddenLine xmlns="" xmlns:a14="http://schemas.microsoft.com/office/drawing/2010/main" w="9525">
+                <a14:hiddenLine xmlns:a14="http://schemas.microsoft.com/office/drawing/2010/main" xmlns="" w="9525">
                   <a:solidFill>
                     <a:srgbClr val="000000"/>
                   </a:solidFill>
@@ -3027,7 +3028,7 @@
             </a:ln>
             <a:extLst>
               <a:ext uri="{91240B29-F687-4f45-9708-019B960494DF}">
-                <a14:hiddenLine xmlns="" xmlns:a14="http://schemas.microsoft.com/office/drawing/2010/main" w="9525">
+                <a14:hiddenLine xmlns:a14="http://schemas.microsoft.com/office/drawing/2010/main" xmlns="" w="9525">
                   <a:solidFill>
                     <a:srgbClr val="000000"/>
                   </a:solidFill>
@@ -3089,7 +3090,7 @@
             </a:ln>
             <a:extLst>
               <a:ext uri="{91240B29-F687-4f45-9708-019B960494DF}">
-                <a14:hiddenLine xmlns="" xmlns:a14="http://schemas.microsoft.com/office/drawing/2010/main" w="9525">
+                <a14:hiddenLine xmlns:a14="http://schemas.microsoft.com/office/drawing/2010/main" xmlns="" w="9525">
                   <a:solidFill>
                     <a:srgbClr val="000000"/>
                   </a:solidFill>
@@ -3179,7 +3180,7 @@
             </a:ln>
             <a:extLst>
               <a:ext uri="{91240B29-F687-4f45-9708-019B960494DF}">
-                <a14:hiddenLine xmlns="" xmlns:a14="http://schemas.microsoft.com/office/drawing/2010/main" w="9525">
+                <a14:hiddenLine xmlns:a14="http://schemas.microsoft.com/office/drawing/2010/main" xmlns="" w="9525">
                   <a:solidFill>
                     <a:srgbClr val="000000"/>
                   </a:solidFill>
@@ -3213,7 +3214,7 @@
             </a:ln>
             <a:extLst>
               <a:ext uri="{91240B29-F687-4f45-9708-019B960494DF}">
-                <a14:hiddenLine xmlns="" xmlns:a14="http://schemas.microsoft.com/office/drawing/2010/main" w="9525">
+                <a14:hiddenLine xmlns:a14="http://schemas.microsoft.com/office/drawing/2010/main" xmlns="" w="9525">
                   <a:solidFill>
                     <a:srgbClr val="000000"/>
                   </a:solidFill>
@@ -3278,7 +3279,7 @@
             </a:ln>
             <a:extLst>
               <a:ext uri="{91240B29-F687-4f45-9708-019B960494DF}">
-                <a14:hiddenLine xmlns="" xmlns:a14="http://schemas.microsoft.com/office/drawing/2010/main" w="9525">
+                <a14:hiddenLine xmlns:a14="http://schemas.microsoft.com/office/drawing/2010/main" xmlns="" w="9525">
                   <a:solidFill>
                     <a:srgbClr val="000000"/>
                   </a:solidFill>
@@ -3368,7 +3369,7 @@
             </a:ln>
             <a:extLst>
               <a:ext uri="{91240B29-F687-4f45-9708-019B960494DF}">
-                <a14:hiddenLine xmlns="" xmlns:a14="http://schemas.microsoft.com/office/drawing/2010/main" w="9525">
+                <a14:hiddenLine xmlns:a14="http://schemas.microsoft.com/office/drawing/2010/main" xmlns="" w="9525">
                   <a:solidFill>
                     <a:srgbClr val="000000"/>
                   </a:solidFill>
@@ -3430,7 +3431,7 @@
             </a:ln>
             <a:extLst>
               <a:ext uri="{91240B29-F687-4f45-9708-019B960494DF}">
-                <a14:hiddenLine xmlns="" xmlns:a14="http://schemas.microsoft.com/office/drawing/2010/main" w="9525">
+                <a14:hiddenLine xmlns:a14="http://schemas.microsoft.com/office/drawing/2010/main" xmlns="" w="9525">
                   <a:solidFill>
                     <a:srgbClr val="000000"/>
                   </a:solidFill>
@@ -3520,7 +3521,7 @@
             </a:ln>
             <a:extLst>
               <a:ext uri="{91240B29-F687-4f45-9708-019B960494DF}">
-                <a14:hiddenLine xmlns="" xmlns:a14="http://schemas.microsoft.com/office/drawing/2010/main" w="9525">
+                <a14:hiddenLine xmlns:a14="http://schemas.microsoft.com/office/drawing/2010/main" xmlns="" w="9525">
                   <a:solidFill>
                     <a:srgbClr val="000000"/>
                   </a:solidFill>
@@ -3610,7 +3611,7 @@
             </a:ln>
             <a:extLst>
               <a:ext uri="{91240B29-F687-4f45-9708-019B960494DF}">
-                <a14:hiddenLine xmlns="" xmlns:a14="http://schemas.microsoft.com/office/drawing/2010/main" w="9525">
+                <a14:hiddenLine xmlns:a14="http://schemas.microsoft.com/office/drawing/2010/main" xmlns="" w="9525">
                   <a:solidFill>
                     <a:srgbClr val="000000"/>
                   </a:solidFill>
@@ -3675,7 +3676,7 @@
             </a:ln>
             <a:extLst>
               <a:ext uri="{91240B29-F687-4f45-9708-019B960494DF}">
-                <a14:hiddenLine xmlns="" xmlns:a14="http://schemas.microsoft.com/office/drawing/2010/main" w="9525">
+                <a14:hiddenLine xmlns:a14="http://schemas.microsoft.com/office/drawing/2010/main" xmlns="" w="9525">
                   <a:solidFill>
                     <a:srgbClr val="000000"/>
                   </a:solidFill>
@@ -3737,7 +3738,7 @@
             </a:ln>
             <a:extLst>
               <a:ext uri="{91240B29-F687-4f45-9708-019B960494DF}">
-                <a14:hiddenLine xmlns="" xmlns:a14="http://schemas.microsoft.com/office/drawing/2010/main" w="9525">
+                <a14:hiddenLine xmlns:a14="http://schemas.microsoft.com/office/drawing/2010/main" xmlns="" w="9525">
                   <a:solidFill>
                     <a:srgbClr val="000000"/>
                   </a:solidFill>
@@ -3827,7 +3828,7 @@
             </a:ln>
             <a:extLst>
               <a:ext uri="{91240B29-F687-4f45-9708-019B960494DF}">
-                <a14:hiddenLine xmlns="" xmlns:a14="http://schemas.microsoft.com/office/drawing/2010/main" w="9525">
+                <a14:hiddenLine xmlns:a14="http://schemas.microsoft.com/office/drawing/2010/main" xmlns="" w="9525">
                   <a:solidFill>
                     <a:srgbClr val="000000"/>
                   </a:solidFill>
@@ -3917,7 +3918,7 @@
             </a:ln>
             <a:extLst>
               <a:ext uri="{91240B29-F687-4f45-9708-019B960494DF}">
-                <a14:hiddenLine xmlns="" xmlns:a14="http://schemas.microsoft.com/office/drawing/2010/main" w="9525">
+                <a14:hiddenLine xmlns:a14="http://schemas.microsoft.com/office/drawing/2010/main" xmlns="" w="9525">
                   <a:solidFill>
                     <a:srgbClr val="000000"/>
                   </a:solidFill>
@@ -3979,7 +3980,7 @@
             </a:ln>
             <a:extLst>
               <a:ext uri="{91240B29-F687-4f45-9708-019B960494DF}">
-                <a14:hiddenLine xmlns="" xmlns:a14="http://schemas.microsoft.com/office/drawing/2010/main" w="9525">
+                <a14:hiddenLine xmlns:a14="http://schemas.microsoft.com/office/drawing/2010/main" xmlns="" w="9525">
                   <a:solidFill>
                     <a:srgbClr val="000000"/>
                   </a:solidFill>
@@ -4099,7 +4100,7 @@
             </a:ln>
             <a:extLst>
               <a:ext uri="{91240B29-F687-4f45-9708-019B960494DF}">
-                <a14:hiddenLine xmlns="" xmlns:a14="http://schemas.microsoft.com/office/drawing/2010/main" w="9525">
+                <a14:hiddenLine xmlns:a14="http://schemas.microsoft.com/office/drawing/2010/main" xmlns="" w="9525">
                   <a:solidFill>
                     <a:srgbClr val="000000"/>
                   </a:solidFill>
@@ -4167,7 +4168,7 @@
             </a:ln>
             <a:extLst>
               <a:ext uri="{91240B29-F687-4f45-9708-019B960494DF}">
-                <a14:hiddenLine xmlns="" xmlns:a14="http://schemas.microsoft.com/office/drawing/2010/main" w="9525">
+                <a14:hiddenLine xmlns:a14="http://schemas.microsoft.com/office/drawing/2010/main" xmlns="" w="9525">
                   <a:solidFill>
                     <a:srgbClr val="000000"/>
                   </a:solidFill>
@@ -4257,7 +4258,7 @@
             </a:ln>
             <a:extLst>
               <a:ext uri="{91240B29-F687-4f45-9708-019B960494DF}">
-                <a14:hiddenLine xmlns="" xmlns:a14="http://schemas.microsoft.com/office/drawing/2010/main" w="9525">
+                <a14:hiddenLine xmlns:a14="http://schemas.microsoft.com/office/drawing/2010/main" xmlns="" w="9525">
                   <a:solidFill>
                     <a:srgbClr val="000000"/>
                   </a:solidFill>
@@ -4397,7 +4398,7 @@
           <a:p>
             <a:fld id="{EF43956B-5739-49C5-912A-98DD6BF2610A}" type="datetimeFigureOut">
               <a:rPr lang="en-ZA" smtClean="0"/>
-              <a:t>2019/05/24</a:t>
+              <a:t>2019/08/23</a:t>
             </a:fld>
             <a:endParaRPr lang="en-ZA"/>
           </a:p>
@@ -4664,7 +4665,7 @@
           <a:p>
             <a:fld id="{EF43956B-5739-49C5-912A-98DD6BF2610A}" type="datetimeFigureOut">
               <a:rPr lang="en-ZA" smtClean="0"/>
-              <a:t>2019/05/24</a:t>
+              <a:t>2019/08/23</a:t>
             </a:fld>
             <a:endParaRPr lang="en-ZA"/>
           </a:p>
@@ -4860,7 +4861,7 @@
           <a:p>
             <a:fld id="{EF43956B-5739-49C5-912A-98DD6BF2610A}" type="datetimeFigureOut">
               <a:rPr lang="en-ZA" smtClean="0"/>
-              <a:t>2019/05/24</a:t>
+              <a:t>2019/08/23</a:t>
             </a:fld>
             <a:endParaRPr lang="en-ZA"/>
           </a:p>
@@ -5123,7 +5124,7 @@
           <a:p>
             <a:fld id="{EF43956B-5739-49C5-912A-98DD6BF2610A}" type="datetimeFigureOut">
               <a:rPr lang="en-ZA" smtClean="0"/>
-              <a:t>2019/05/24</a:t>
+              <a:t>2019/08/23</a:t>
             </a:fld>
             <a:endParaRPr lang="en-ZA"/>
           </a:p>
@@ -5557,7 +5558,7 @@
           <a:p>
             <a:fld id="{EF43956B-5739-49C5-912A-98DD6BF2610A}" type="datetimeFigureOut">
               <a:rPr lang="en-ZA" smtClean="0"/>
-              <a:t>2019/05/24</a:t>
+              <a:t>2019/08/23</a:t>
             </a:fld>
             <a:endParaRPr lang="en-ZA"/>
           </a:p>
@@ -6103,7 +6104,7 @@
           <a:p>
             <a:fld id="{EF43956B-5739-49C5-912A-98DD6BF2610A}" type="datetimeFigureOut">
               <a:rPr lang="en-ZA" smtClean="0"/>
-              <a:t>2019/05/24</a:t>
+              <a:t>2019/08/23</a:t>
             </a:fld>
             <a:endParaRPr lang="en-ZA"/>
           </a:p>
@@ -6823,7 +6824,7 @@
           <a:p>
             <a:fld id="{EF43956B-5739-49C5-912A-98DD6BF2610A}" type="datetimeFigureOut">
               <a:rPr lang="en-ZA" smtClean="0"/>
-              <a:t>2019/05/24</a:t>
+              <a:t>2019/08/23</a:t>
             </a:fld>
             <a:endParaRPr lang="en-ZA"/>
           </a:p>
@@ -6993,7 +6994,7 @@
           <a:p>
             <a:fld id="{EF43956B-5739-49C5-912A-98DD6BF2610A}" type="datetimeFigureOut">
               <a:rPr lang="en-ZA" smtClean="0"/>
-              <a:t>2019/05/24</a:t>
+              <a:t>2019/08/23</a:t>
             </a:fld>
             <a:endParaRPr lang="en-ZA"/>
           </a:p>
@@ -7173,7 +7174,7 @@
           <a:p>
             <a:fld id="{EF43956B-5739-49C5-912A-98DD6BF2610A}" type="datetimeFigureOut">
               <a:rPr lang="en-ZA" smtClean="0"/>
-              <a:t>2019/05/24</a:t>
+              <a:t>2019/08/23</a:t>
             </a:fld>
             <a:endParaRPr lang="en-ZA"/>
           </a:p>
@@ -7343,7 +7344,7 @@
           <a:p>
             <a:fld id="{EF43956B-5739-49C5-912A-98DD6BF2610A}" type="datetimeFigureOut">
               <a:rPr lang="en-ZA" smtClean="0"/>
-              <a:t>2019/05/24</a:t>
+              <a:t>2019/08/23</a:t>
             </a:fld>
             <a:endParaRPr lang="en-ZA"/>
           </a:p>
@@ -7593,7 +7594,7 @@
           <a:p>
             <a:fld id="{EF43956B-5739-49C5-912A-98DD6BF2610A}" type="datetimeFigureOut">
               <a:rPr lang="en-ZA" smtClean="0"/>
-              <a:t>2019/05/24</a:t>
+              <a:t>2019/08/23</a:t>
             </a:fld>
             <a:endParaRPr lang="en-ZA"/>
           </a:p>
@@ -7825,7 +7826,7 @@
           <a:p>
             <a:fld id="{EF43956B-5739-49C5-912A-98DD6BF2610A}" type="datetimeFigureOut">
               <a:rPr lang="en-ZA" smtClean="0"/>
-              <a:t>2019/05/24</a:t>
+              <a:t>2019/08/23</a:t>
             </a:fld>
             <a:endParaRPr lang="en-ZA"/>
           </a:p>
@@ -8206,7 +8207,7 @@
           <a:p>
             <a:fld id="{EF43956B-5739-49C5-912A-98DD6BF2610A}" type="datetimeFigureOut">
               <a:rPr lang="en-ZA" smtClean="0"/>
-              <a:t>2019/05/24</a:t>
+              <a:t>2019/08/23</a:t>
             </a:fld>
             <a:endParaRPr lang="en-ZA"/>
           </a:p>
@@ -8324,7 +8325,7 @@
           <a:p>
             <a:fld id="{EF43956B-5739-49C5-912A-98DD6BF2610A}" type="datetimeFigureOut">
               <a:rPr lang="en-ZA" smtClean="0"/>
-              <a:t>2019/05/24</a:t>
+              <a:t>2019/08/23</a:t>
             </a:fld>
             <a:endParaRPr lang="en-ZA"/>
           </a:p>
@@ -8419,7 +8420,7 @@
           <a:p>
             <a:fld id="{EF43956B-5739-49C5-912A-98DD6BF2610A}" type="datetimeFigureOut">
               <a:rPr lang="en-ZA" smtClean="0"/>
-              <a:t>2019/05/24</a:t>
+              <a:t>2019/08/23</a:t>
             </a:fld>
             <a:endParaRPr lang="en-ZA"/>
           </a:p>
@@ -8668,7 +8669,7 @@
           <a:p>
             <a:fld id="{EF43956B-5739-49C5-912A-98DD6BF2610A}" type="datetimeFigureOut">
               <a:rPr lang="en-ZA" smtClean="0"/>
-              <a:t>2019/05/24</a:t>
+              <a:t>2019/08/23</a:t>
             </a:fld>
             <a:endParaRPr lang="en-ZA"/>
           </a:p>
@@ -8948,7 +8949,7 @@
           <a:p>
             <a:fld id="{EF43956B-5739-49C5-912A-98DD6BF2610A}" type="datetimeFigureOut">
               <a:rPr lang="en-ZA" smtClean="0"/>
-              <a:t>2019/05/24</a:t>
+              <a:t>2019/08/23</a:t>
             </a:fld>
             <a:endParaRPr lang="en-ZA"/>
           </a:p>
@@ -9064,7 +9065,7 @@
           <a:noFill/>
           <a:extLst>
             <a:ext uri="{909E8E84-426E-40dd-AFC4-6F175D3DCCD1}">
-              <a14:hiddenFill xmlns="" xmlns:a14="http://schemas.microsoft.com/office/drawing/2010/main">
+              <a14:hiddenFill xmlns:a14="http://schemas.microsoft.com/office/drawing/2010/main" xmlns="">
                 <a:solidFill>
                   <a:srgbClr val="FFFFFF"/>
                 </a:solidFill>
@@ -9138,7 +9139,7 @@
               </a:ln>
               <a:extLst>
                 <a:ext uri="{91240B29-F687-4f45-9708-019B960494DF}">
-                  <a14:hiddenLine xmlns="" xmlns:a14="http://schemas.microsoft.com/office/drawing/2010/main" w="9525">
+                  <a14:hiddenLine xmlns:a14="http://schemas.microsoft.com/office/drawing/2010/main" xmlns="" w="9525">
                     <a:solidFill>
                       <a:srgbClr val="000000"/>
                     </a:solidFill>
@@ -9228,7 +9229,7 @@
               </a:ln>
               <a:extLst>
                 <a:ext uri="{91240B29-F687-4f45-9708-019B960494DF}">
-                  <a14:hiddenLine xmlns="" xmlns:a14="http://schemas.microsoft.com/office/drawing/2010/main" w="9525">
+                  <a14:hiddenLine xmlns:a14="http://schemas.microsoft.com/office/drawing/2010/main" xmlns="" w="9525">
                     <a:solidFill>
                       <a:srgbClr val="000000"/>
                     </a:solidFill>
@@ -9318,7 +9319,7 @@
               </a:ln>
               <a:extLst>
                 <a:ext uri="{91240B29-F687-4f45-9708-019B960494DF}">
-                  <a14:hiddenLine xmlns="" xmlns:a14="http://schemas.microsoft.com/office/drawing/2010/main" w="9525">
+                  <a14:hiddenLine xmlns:a14="http://schemas.microsoft.com/office/drawing/2010/main" xmlns="" w="9525">
                     <a:solidFill>
                       <a:srgbClr val="000000"/>
                     </a:solidFill>
@@ -9380,7 +9381,7 @@
               </a:ln>
               <a:extLst>
                 <a:ext uri="{91240B29-F687-4f45-9708-019B960494DF}">
-                  <a14:hiddenLine xmlns="" xmlns:a14="http://schemas.microsoft.com/office/drawing/2010/main" w="9525">
+                  <a14:hiddenLine xmlns:a14="http://schemas.microsoft.com/office/drawing/2010/main" xmlns="" w="9525">
                     <a:solidFill>
                       <a:srgbClr val="000000"/>
                     </a:solidFill>
@@ -9470,7 +9471,7 @@
               </a:ln>
               <a:extLst>
                 <a:ext uri="{91240B29-F687-4f45-9708-019B960494DF}">
-                  <a14:hiddenLine xmlns="" xmlns:a14="http://schemas.microsoft.com/office/drawing/2010/main" w="9525">
+                  <a14:hiddenLine xmlns:a14="http://schemas.microsoft.com/office/drawing/2010/main" xmlns="" w="9525">
                     <a:solidFill>
                       <a:srgbClr val="000000"/>
                     </a:solidFill>
@@ -9532,7 +9533,7 @@
               </a:ln>
               <a:extLst>
                 <a:ext uri="{91240B29-F687-4f45-9708-019B960494DF}">
-                  <a14:hiddenLine xmlns="" xmlns:a14="http://schemas.microsoft.com/office/drawing/2010/main" w="9525">
+                  <a14:hiddenLine xmlns:a14="http://schemas.microsoft.com/office/drawing/2010/main" xmlns="" w="9525">
                     <a:solidFill>
                       <a:srgbClr val="000000"/>
                     </a:solidFill>
@@ -9594,7 +9595,7 @@
               </a:ln>
               <a:extLst>
                 <a:ext uri="{91240B29-F687-4f45-9708-019B960494DF}">
-                  <a14:hiddenLine xmlns="" xmlns:a14="http://schemas.microsoft.com/office/drawing/2010/main" w="9525">
+                  <a14:hiddenLine xmlns:a14="http://schemas.microsoft.com/office/drawing/2010/main" xmlns="" w="9525">
                     <a:solidFill>
                       <a:srgbClr val="000000"/>
                     </a:solidFill>
@@ -9684,7 +9685,7 @@
               </a:ln>
               <a:extLst>
                 <a:ext uri="{91240B29-F687-4f45-9708-019B960494DF}">
-                  <a14:hiddenLine xmlns="" xmlns:a14="http://schemas.microsoft.com/office/drawing/2010/main" w="9525">
+                  <a14:hiddenLine xmlns:a14="http://schemas.microsoft.com/office/drawing/2010/main" xmlns="" w="9525">
                     <a:solidFill>
                       <a:srgbClr val="000000"/>
                     </a:solidFill>
@@ -9774,7 +9775,7 @@
               </a:ln>
               <a:extLst>
                 <a:ext uri="{91240B29-F687-4f45-9708-019B960494DF}">
-                  <a14:hiddenLine xmlns="" xmlns:a14="http://schemas.microsoft.com/office/drawing/2010/main" w="9525">
+                  <a14:hiddenLine xmlns:a14="http://schemas.microsoft.com/office/drawing/2010/main" xmlns="" w="9525">
                     <a:solidFill>
                       <a:srgbClr val="000000"/>
                     </a:solidFill>
@@ -9836,7 +9837,7 @@
               </a:ln>
               <a:extLst>
                 <a:ext uri="{91240B29-F687-4f45-9708-019B960494DF}">
-                  <a14:hiddenLine xmlns="" xmlns:a14="http://schemas.microsoft.com/office/drawing/2010/main" w="9525">
+                  <a14:hiddenLine xmlns:a14="http://schemas.microsoft.com/office/drawing/2010/main" xmlns="" w="9525">
                     <a:solidFill>
                       <a:srgbClr val="000000"/>
                     </a:solidFill>
@@ -9946,7 +9947,7 @@
               </a:ln>
               <a:extLst>
                 <a:ext uri="{91240B29-F687-4f45-9708-019B960494DF}">
-                  <a14:hiddenLine xmlns="" xmlns:a14="http://schemas.microsoft.com/office/drawing/2010/main" w="9525">
+                  <a14:hiddenLine xmlns:a14="http://schemas.microsoft.com/office/drawing/2010/main" xmlns="" w="9525">
                     <a:solidFill>
                       <a:srgbClr val="000000"/>
                     </a:solidFill>
@@ -10030,7 +10031,7 @@
               </a:ln>
               <a:extLst>
                 <a:ext uri="{91240B29-F687-4f45-9708-019B960494DF}">
-                  <a14:hiddenLine xmlns="" xmlns:a14="http://schemas.microsoft.com/office/drawing/2010/main" w="9525">
+                  <a14:hiddenLine xmlns:a14="http://schemas.microsoft.com/office/drawing/2010/main" xmlns="" w="9525">
                     <a:solidFill>
                       <a:srgbClr val="000000"/>
                     </a:solidFill>
@@ -10092,7 +10093,7 @@
               </a:ln>
               <a:extLst>
                 <a:ext uri="{91240B29-F687-4f45-9708-019B960494DF}">
-                  <a14:hiddenLine xmlns="" xmlns:a14="http://schemas.microsoft.com/office/drawing/2010/main" w="9525">
+                  <a14:hiddenLine xmlns:a14="http://schemas.microsoft.com/office/drawing/2010/main" xmlns="" w="9525">
                     <a:solidFill>
                       <a:srgbClr val="000000"/>
                     </a:solidFill>
@@ -10154,7 +10155,7 @@
               </a:ln>
               <a:extLst>
                 <a:ext uri="{91240B29-F687-4f45-9708-019B960494DF}">
-                  <a14:hiddenLine xmlns="" xmlns:a14="http://schemas.microsoft.com/office/drawing/2010/main" w="9525">
+                  <a14:hiddenLine xmlns:a14="http://schemas.microsoft.com/office/drawing/2010/main" xmlns="" w="9525">
                     <a:solidFill>
                       <a:srgbClr val="000000"/>
                     </a:solidFill>
@@ -10244,7 +10245,7 @@
               </a:ln>
               <a:extLst>
                 <a:ext uri="{91240B29-F687-4f45-9708-019B960494DF}">
-                  <a14:hiddenLine xmlns="" xmlns:a14="http://schemas.microsoft.com/office/drawing/2010/main" w="9525">
+                  <a14:hiddenLine xmlns:a14="http://schemas.microsoft.com/office/drawing/2010/main" xmlns="" w="9525">
                     <a:solidFill>
                       <a:srgbClr val="000000"/>
                     </a:solidFill>
@@ -10278,7 +10279,7 @@
               </a:ln>
               <a:extLst>
                 <a:ext uri="{91240B29-F687-4f45-9708-019B960494DF}">
-                  <a14:hiddenLine xmlns="" xmlns:a14="http://schemas.microsoft.com/office/drawing/2010/main" w="9525">
+                  <a14:hiddenLine xmlns:a14="http://schemas.microsoft.com/office/drawing/2010/main" xmlns="" w="9525">
                     <a:solidFill>
                       <a:srgbClr val="000000"/>
                     </a:solidFill>
@@ -10343,7 +10344,7 @@
               </a:ln>
               <a:extLst>
                 <a:ext uri="{91240B29-F687-4f45-9708-019B960494DF}">
-                  <a14:hiddenLine xmlns="" xmlns:a14="http://schemas.microsoft.com/office/drawing/2010/main" w="9525">
+                  <a14:hiddenLine xmlns:a14="http://schemas.microsoft.com/office/drawing/2010/main" xmlns="" w="9525">
                     <a:solidFill>
                       <a:srgbClr val="000000"/>
                     </a:solidFill>
@@ -10433,7 +10434,7 @@
               </a:ln>
               <a:extLst>
                 <a:ext uri="{91240B29-F687-4f45-9708-019B960494DF}">
-                  <a14:hiddenLine xmlns="" xmlns:a14="http://schemas.microsoft.com/office/drawing/2010/main" w="9525">
+                  <a14:hiddenLine xmlns:a14="http://schemas.microsoft.com/office/drawing/2010/main" xmlns="" w="9525">
                     <a:solidFill>
                       <a:srgbClr val="000000"/>
                     </a:solidFill>
@@ -10495,7 +10496,7 @@
               </a:ln>
               <a:extLst>
                 <a:ext uri="{91240B29-F687-4f45-9708-019B960494DF}">
-                  <a14:hiddenLine xmlns="" xmlns:a14="http://schemas.microsoft.com/office/drawing/2010/main" w="9525">
+                  <a14:hiddenLine xmlns:a14="http://schemas.microsoft.com/office/drawing/2010/main" xmlns="" w="9525">
                     <a:solidFill>
                       <a:srgbClr val="000000"/>
                     </a:solidFill>
@@ -10585,7 +10586,7 @@
               </a:ln>
               <a:extLst>
                 <a:ext uri="{91240B29-F687-4f45-9708-019B960494DF}">
-                  <a14:hiddenLine xmlns="" xmlns:a14="http://schemas.microsoft.com/office/drawing/2010/main" w="9525">
+                  <a14:hiddenLine xmlns:a14="http://schemas.microsoft.com/office/drawing/2010/main" xmlns="" w="9525">
                     <a:solidFill>
                       <a:srgbClr val="000000"/>
                     </a:solidFill>
@@ -10650,7 +10651,7 @@
               </a:ln>
               <a:extLst>
                 <a:ext uri="{91240B29-F687-4f45-9708-019B960494DF}">
-                  <a14:hiddenLine xmlns="" xmlns:a14="http://schemas.microsoft.com/office/drawing/2010/main" w="9525">
+                  <a14:hiddenLine xmlns:a14="http://schemas.microsoft.com/office/drawing/2010/main" xmlns="" w="9525">
                     <a:solidFill>
                       <a:srgbClr val="000000"/>
                     </a:solidFill>
@@ -10712,7 +10713,7 @@
               </a:ln>
               <a:extLst>
                 <a:ext uri="{91240B29-F687-4f45-9708-019B960494DF}">
-                  <a14:hiddenLine xmlns="" xmlns:a14="http://schemas.microsoft.com/office/drawing/2010/main" w="9525">
+                  <a14:hiddenLine xmlns:a14="http://schemas.microsoft.com/office/drawing/2010/main" xmlns="" w="9525">
                     <a:solidFill>
                       <a:srgbClr val="000000"/>
                     </a:solidFill>
@@ -10802,7 +10803,7 @@
               </a:ln>
               <a:extLst>
                 <a:ext uri="{91240B29-F687-4f45-9708-019B960494DF}">
-                  <a14:hiddenLine xmlns="" xmlns:a14="http://schemas.microsoft.com/office/drawing/2010/main" w="9525">
+                  <a14:hiddenLine xmlns:a14="http://schemas.microsoft.com/office/drawing/2010/main" xmlns="" w="9525">
                     <a:solidFill>
                       <a:srgbClr val="000000"/>
                     </a:solidFill>
@@ -10892,7 +10893,7 @@
               </a:ln>
               <a:extLst>
                 <a:ext uri="{91240B29-F687-4f45-9708-019B960494DF}">
-                  <a14:hiddenLine xmlns="" xmlns:a14="http://schemas.microsoft.com/office/drawing/2010/main" w="9525">
+                  <a14:hiddenLine xmlns:a14="http://schemas.microsoft.com/office/drawing/2010/main" xmlns="" w="9525">
                     <a:solidFill>
                       <a:srgbClr val="000000"/>
                     </a:solidFill>
@@ -10957,7 +10958,7 @@
               </a:ln>
               <a:extLst>
                 <a:ext uri="{91240B29-F687-4f45-9708-019B960494DF}">
-                  <a14:hiddenLine xmlns="" xmlns:a14="http://schemas.microsoft.com/office/drawing/2010/main" w="9525">
+                  <a14:hiddenLine xmlns:a14="http://schemas.microsoft.com/office/drawing/2010/main" xmlns="" w="9525">
                     <a:solidFill>
                       <a:srgbClr val="000000"/>
                     </a:solidFill>
@@ -11077,7 +11078,7 @@
               </a:ln>
               <a:extLst>
                 <a:ext uri="{91240B29-F687-4f45-9708-019B960494DF}">
-                  <a14:hiddenLine xmlns="" xmlns:a14="http://schemas.microsoft.com/office/drawing/2010/main" w="9525">
+                  <a14:hiddenLine xmlns:a14="http://schemas.microsoft.com/office/drawing/2010/main" xmlns="" w="9525">
                     <a:solidFill>
                       <a:srgbClr val="000000"/>
                     </a:solidFill>
@@ -11175,7 +11176,7 @@
               </a:ln>
               <a:extLst>
                 <a:ext uri="{91240B29-F687-4f45-9708-019B960494DF}">
-                  <a14:hiddenLine xmlns="" xmlns:a14="http://schemas.microsoft.com/office/drawing/2010/main" w="9525">
+                  <a14:hiddenLine xmlns:a14="http://schemas.microsoft.com/office/drawing/2010/main" xmlns="" w="9525">
                     <a:solidFill>
                       <a:srgbClr val="000000"/>
                     </a:solidFill>
@@ -11290,7 +11291,7 @@
               </a:ln>
               <a:extLst>
                 <a:ext uri="{91240B29-F687-4f45-9708-019B960494DF}">
-                  <a14:hiddenLine xmlns="" xmlns:a14="http://schemas.microsoft.com/office/drawing/2010/main" w="9525">
+                  <a14:hiddenLine xmlns:a14="http://schemas.microsoft.com/office/drawing/2010/main" xmlns="" w="9525">
                     <a:solidFill>
                       <a:srgbClr val="000000"/>
                     </a:solidFill>
@@ -11380,7 +11381,7 @@
               </a:ln>
               <a:extLst>
                 <a:ext uri="{91240B29-F687-4f45-9708-019B960494DF}">
-                  <a14:hiddenLine xmlns="" xmlns:a14="http://schemas.microsoft.com/office/drawing/2010/main" w="9525">
+                  <a14:hiddenLine xmlns:a14="http://schemas.microsoft.com/office/drawing/2010/main" xmlns="" w="9525">
                     <a:solidFill>
                       <a:srgbClr val="000000"/>
                     </a:solidFill>
@@ -11445,7 +11446,7 @@
               </a:ln>
               <a:extLst>
                 <a:ext uri="{91240B29-F687-4f45-9708-019B960494DF}">
-                  <a14:hiddenLine xmlns="" xmlns:a14="http://schemas.microsoft.com/office/drawing/2010/main" w="9525">
+                  <a14:hiddenLine xmlns:a14="http://schemas.microsoft.com/office/drawing/2010/main" xmlns="" w="9525">
                     <a:solidFill>
                       <a:srgbClr val="000000"/>
                     </a:solidFill>
@@ -11535,7 +11536,7 @@
               </a:ln>
               <a:extLst>
                 <a:ext uri="{91240B29-F687-4f45-9708-019B960494DF}">
-                  <a14:hiddenLine xmlns="" xmlns:a14="http://schemas.microsoft.com/office/drawing/2010/main" w="9525">
+                  <a14:hiddenLine xmlns:a14="http://schemas.microsoft.com/office/drawing/2010/main" xmlns="" w="9525">
                     <a:solidFill>
                       <a:srgbClr val="000000"/>
                     </a:solidFill>
@@ -11603,7 +11604,7 @@
               </a:ln>
               <a:extLst>
                 <a:ext uri="{91240B29-F687-4f45-9708-019B960494DF}">
-                  <a14:hiddenLine xmlns="" xmlns:a14="http://schemas.microsoft.com/office/drawing/2010/main" w="9525">
+                  <a14:hiddenLine xmlns:a14="http://schemas.microsoft.com/office/drawing/2010/main" xmlns="" w="9525">
                     <a:solidFill>
                       <a:srgbClr val="000000"/>
                     </a:solidFill>
@@ -11693,7 +11694,7 @@
               </a:ln>
               <a:extLst>
                 <a:ext uri="{91240B29-F687-4f45-9708-019B960494DF}">
-                  <a14:hiddenLine xmlns="" xmlns:a14="http://schemas.microsoft.com/office/drawing/2010/main" w="9525">
+                  <a14:hiddenLine xmlns:a14="http://schemas.microsoft.com/office/drawing/2010/main" xmlns="" w="9525">
                     <a:solidFill>
                       <a:srgbClr val="000000"/>
                     </a:solidFill>
@@ -11761,7 +11762,7 @@
               </a:ln>
               <a:extLst>
                 <a:ext uri="{91240B29-F687-4f45-9708-019B960494DF}">
-                  <a14:hiddenLine xmlns="" xmlns:a14="http://schemas.microsoft.com/office/drawing/2010/main" w="9525">
+                  <a14:hiddenLine xmlns:a14="http://schemas.microsoft.com/office/drawing/2010/main" xmlns="" w="9525">
                     <a:solidFill>
                       <a:srgbClr val="000000"/>
                     </a:solidFill>
@@ -11851,7 +11852,7 @@
               </a:ln>
               <a:extLst>
                 <a:ext uri="{91240B29-F687-4f45-9708-019B960494DF}">
-                  <a14:hiddenLine xmlns="" xmlns:a14="http://schemas.microsoft.com/office/drawing/2010/main" w="9525">
+                  <a14:hiddenLine xmlns:a14="http://schemas.microsoft.com/office/drawing/2010/main" xmlns="" w="9525">
                     <a:solidFill>
                       <a:srgbClr val="000000"/>
                     </a:solidFill>
@@ -11885,7 +11886,7 @@
               </a:ln>
               <a:extLst>
                 <a:ext uri="{91240B29-F687-4f45-9708-019B960494DF}">
-                  <a14:hiddenLine xmlns="" xmlns:a14="http://schemas.microsoft.com/office/drawing/2010/main" w="9525">
+                  <a14:hiddenLine xmlns:a14="http://schemas.microsoft.com/office/drawing/2010/main" xmlns="" w="9525">
                     <a:solidFill>
                       <a:srgbClr val="000000"/>
                     </a:solidFill>
@@ -12025,7 +12026,7 @@
           <a:p>
             <a:fld id="{EF43956B-5739-49C5-912A-98DD6BF2610A}" type="datetimeFigureOut">
               <a:rPr lang="en-ZA" smtClean="0"/>
-              <a:t>2019/05/24</a:t>
+              <a:t>2019/08/23</a:t>
             </a:fld>
             <a:endParaRPr lang="en-ZA"/>
           </a:p>
@@ -12461,11 +12462,19 @@
             <p:ph type="ctrTitle"/>
           </p:nvPr>
         </p:nvSpPr>
-        <p:spPr/>
+        <p:spPr>
+          <a:xfrm>
+            <a:off x="1840914" y="994299"/>
+            <a:ext cx="8791575" cy="3986073"/>
+          </a:xfrm>
+        </p:spPr>
         <p:txBody>
-          <a:bodyPr/>
+          <a:bodyPr>
+            <a:normAutofit/>
+          </a:bodyPr>
           <a:lstStyle/>
           <a:p>
+            <a:pPr algn="ctr"/>
             <a:r>
               <a:rPr lang="en-ZA" dirty="0"/>
               <a:t>Supreme </a:t>
@@ -12476,15 +12485,21 @@
             </a:r>
             <a:r>
               <a:rPr lang="en-ZA" dirty="0"/>
-              <a:t> demo2</a:t>
+              <a:t> demo 4</a:t>
             </a:r>
+            <a:br>
+              <a:rPr lang="en-ZA" dirty="0"/>
+            </a:br>
             <a:br>
               <a:rPr lang="en-ZA" dirty="0"/>
             </a:br>
             <a:r>
               <a:rPr lang="en-ZA" dirty="0"/>
-              <a:t>24/05/2019</a:t>
+              <a:t>23/08/2019</a:t>
             </a:r>
+            <a:br>
+              <a:rPr lang="en-ZA" dirty="0"/>
+            </a:br>
             <a:br>
               <a:rPr lang="en-ZA" dirty="0"/>
             </a:br>
@@ -12505,10 +12520,172 @@
   <p:clrMapOvr>
     <a:masterClrMapping/>
   </p:clrMapOvr>
+  <mc:AlternateContent xmlns:mc="http://schemas.openxmlformats.org/markup-compatibility/2006">
+    <mc:Choice xmlns:p159="http://schemas.microsoft.com/office/powerpoint/2015/09/main" Requires="p159">
+      <p:transition xmlns:p14="http://schemas.microsoft.com/office/powerpoint/2010/main" spd="slow" p14:dur="2000">
+        <p159:morph option="byObject"/>
+      </p:transition>
+    </mc:Choice>
+    <mc:Fallback>
+      <p:transition spd="slow">
+        <p:fade/>
+      </p:transition>
+    </mc:Fallback>
+  </mc:AlternateContent>
 </p:sld>
 </file>
 
 <file path=ppt/slides/slide10.xml><?xml version="1.0" encoding="utf-8"?>
+<p:sld xmlns:a="http://schemas.openxmlformats.org/drawingml/2006/main" xmlns:r="http://schemas.openxmlformats.org/officeDocument/2006/relationships" xmlns:p="http://schemas.openxmlformats.org/presentationml/2006/main">
+  <p:cSld>
+    <p:spTree>
+      <p:nvGrpSpPr>
+        <p:cNvPr id="1" name=""/>
+        <p:cNvGrpSpPr/>
+        <p:nvPr/>
+      </p:nvGrpSpPr>
+      <p:grpSpPr>
+        <a:xfrm>
+          <a:off x="0" y="0"/>
+          <a:ext cx="0" cy="0"/>
+          <a:chOff x="0" y="0"/>
+          <a:chExt cx="0" cy="0"/>
+        </a:xfrm>
+      </p:grpSpPr>
+      <p:sp>
+        <p:nvSpPr>
+          <p:cNvPr id="2" name="Title 1">
+            <a:extLst>
+              <a:ext uri="{FF2B5EF4-FFF2-40B4-BE49-F238E27FC236}">
+                <a16:creationId xmlns:a16="http://schemas.microsoft.com/office/drawing/2014/main" id="{27C45144-C3E5-4420-B97B-4E14FB21DB23}"/>
+              </a:ext>
+            </a:extLst>
+          </p:cNvPr>
+          <p:cNvSpPr>
+            <a:spLocks noGrp="1"/>
+          </p:cNvSpPr>
+          <p:nvPr>
+            <p:ph type="title"/>
+          </p:nvPr>
+        </p:nvSpPr>
+        <p:spPr>
+          <a:xfrm>
+            <a:off x="3930333" y="1647218"/>
+            <a:ext cx="9905998" cy="1478570"/>
+          </a:xfrm>
+        </p:spPr>
+        <p:txBody>
+          <a:bodyPr/>
+          <a:lstStyle/>
+          <a:p>
+            <a:r>
+              <a:rPr lang="en-ZA" dirty="0"/>
+              <a:t>Any questions?</a:t>
+            </a:r>
+          </a:p>
+        </p:txBody>
+      </p:sp>
+      <p:pic>
+        <p:nvPicPr>
+          <p:cNvPr id="4" name="Picture 3">
+            <a:extLst>
+              <a:ext uri="{FF2B5EF4-FFF2-40B4-BE49-F238E27FC236}">
+                <a16:creationId xmlns:a16="http://schemas.microsoft.com/office/drawing/2014/main" id="{618904CD-5BEC-40C3-9C3F-5837565E394E}"/>
+              </a:ext>
+            </a:extLst>
+          </p:cNvPr>
+          <p:cNvPicPr>
+            <a:picLocks noChangeAspect="1"/>
+          </p:cNvPicPr>
+          <p:nvPr/>
+        </p:nvPicPr>
+        <p:blipFill>
+          <a:blip r:embed="rId2">
+            <a:extLst>
+              <a:ext uri="{28A0092B-C50C-407E-A947-70E740481C1C}">
+                <a14:useLocalDpi xmlns:a14="http://schemas.microsoft.com/office/drawing/2010/main" val="0"/>
+              </a:ext>
+              <a:ext uri="{837473B0-CC2E-450A-ABE3-18F120FF3D39}">
+                <a1611:picAttrSrcUrl xmlns:a1611="http://schemas.microsoft.com/office/drawing/2016/11/main" r:id="rId3"/>
+              </a:ext>
+            </a:extLst>
+          </a:blip>
+          <a:stretch>
+            <a:fillRect/>
+          </a:stretch>
+        </p:blipFill>
+        <p:spPr>
+          <a:xfrm>
+            <a:off x="3177540" y="3343593"/>
+            <a:ext cx="5334000" cy="2238375"/>
+          </a:xfrm>
+          <a:prstGeom prst="rect">
+            <a:avLst/>
+          </a:prstGeom>
+        </p:spPr>
+      </p:pic>
+      <p:sp>
+        <p:nvSpPr>
+          <p:cNvPr id="5" name="TextBox 4">
+            <a:extLst>
+              <a:ext uri="{FF2B5EF4-FFF2-40B4-BE49-F238E27FC236}">
+                <a16:creationId xmlns:a16="http://schemas.microsoft.com/office/drawing/2014/main" id="{8C9FEC24-351B-41B3-A117-0F5D77A188BB}"/>
+              </a:ext>
+            </a:extLst>
+          </p:cNvPr>
+          <p:cNvSpPr txBox="1"/>
+          <p:nvPr/>
+        </p:nvSpPr>
+        <p:spPr>
+          <a:xfrm>
+            <a:off x="3177540" y="5581968"/>
+            <a:ext cx="5334000" cy="230832"/>
+          </a:xfrm>
+          <a:prstGeom prst="rect">
+            <a:avLst/>
+          </a:prstGeom>
+          <a:noFill/>
+        </p:spPr>
+        <p:txBody>
+          <a:bodyPr wrap="square" rtlCol="0">
+            <a:spAutoFit/>
+          </a:bodyPr>
+          <a:lstStyle/>
+          <a:p>
+            <a:r>
+              <a:rPr lang="en-ZA" sz="900">
+                <a:hlinkClick r:id="rId3" tooltip="http://www.covermesongs.com/2013/04/cover-me-qa-whats-your-favorite-cover-song.html"/>
+              </a:rPr>
+              <a:t>This Photo</a:t>
+            </a:r>
+            <a:r>
+              <a:rPr lang="en-ZA" sz="900"/>
+              <a:t> by Unknown Author is licensed under </a:t>
+            </a:r>
+            <a:r>
+              <a:rPr lang="en-ZA" sz="900">
+                <a:hlinkClick r:id="rId4" tooltip="https://creativecommons.org/licenses/by-nc-nd/3.0/"/>
+              </a:rPr>
+              <a:t>CC BY-NC-ND</a:t>
+            </a:r>
+            <a:endParaRPr lang="en-ZA" sz="900"/>
+          </a:p>
+        </p:txBody>
+      </p:sp>
+    </p:spTree>
+    <p:extLst>
+      <p:ext uri="{BB962C8B-B14F-4D97-AF65-F5344CB8AC3E}">
+        <p14:creationId xmlns:p14="http://schemas.microsoft.com/office/powerpoint/2010/main" val="3371169255"/>
+      </p:ext>
+    </p:extLst>
+  </p:cSld>
+  <p:clrMapOvr>
+    <a:masterClrMapping/>
+  </p:clrMapOvr>
+</p:sld>
+</file>
+
+<file path=ppt/slides/slide11.xml><?xml version="1.0" encoding="utf-8"?>
 <p:sld xmlns:a="http://schemas.openxmlformats.org/drawingml/2006/main" xmlns:r="http://schemas.openxmlformats.org/officeDocument/2006/relationships" xmlns:p="http://schemas.openxmlformats.org/presentationml/2006/main">
   <p:cSld>
     <p:spTree>
@@ -12541,14 +12718,19 @@
             <p:ph type="title"/>
           </p:nvPr>
         </p:nvSpPr>
-        <p:spPr/>
+        <p:spPr>
+          <a:xfrm>
+            <a:off x="4867593" y="2689715"/>
+            <a:ext cx="9905998" cy="1478570"/>
+          </a:xfrm>
+        </p:spPr>
         <p:txBody>
           <a:bodyPr/>
           <a:lstStyle/>
           <a:p>
             <a:r>
               <a:rPr lang="en-ZA" dirty="0"/>
-              <a:t>Unit test</a:t>
+              <a:t>The End</a:t>
             </a:r>
           </a:p>
         </p:txBody>
@@ -12634,7 +12816,7 @@
           <a:p>
             <a:r>
               <a:rPr lang="en-ZA" dirty="0"/>
-              <a:t>Waldo van der Merwe (Team leader)</a:t>
+              <a:t>Waldo van der Merwe (Team leader, USSD, Driver App)</a:t>
             </a:r>
           </a:p>
           <a:p>
@@ -12648,7 +12830,7 @@
             </a:r>
             <a:r>
               <a:rPr lang="en-ZA" dirty="0"/>
-              <a:t> (Main UI designer)</a:t>
+              <a:t> (Super user, Coding Standards)</a:t>
             </a:r>
           </a:p>
           <a:p>
@@ -12662,19 +12844,13 @@
             </a:r>
             <a:r>
               <a:rPr lang="en-ZA" dirty="0"/>
-              <a:t> (Integration leader)</a:t>
+              <a:t> (Monitor view, User Manual)</a:t>
             </a:r>
           </a:p>
           <a:p>
             <a:r>
               <a:rPr lang="en-ZA" dirty="0"/>
-              <a:t>Duncan Smallwood (Database expert)</a:t>
-            </a:r>
-          </a:p>
-          <a:p>
-            <a:r>
-              <a:rPr lang="en-ZA" dirty="0"/>
-              <a:t>Dewald van Hoven (Scrum master)</a:t>
+              <a:t>Dewald van Hoven (Backend, Testing Policy, Integration)</a:t>
             </a:r>
           </a:p>
         </p:txBody>
@@ -12689,6 +12865,18 @@
   <p:clrMapOvr>
     <a:masterClrMapping/>
   </p:clrMapOvr>
+  <mc:AlternateContent xmlns:mc="http://schemas.openxmlformats.org/markup-compatibility/2006">
+    <mc:Choice xmlns:p159="http://schemas.microsoft.com/office/powerpoint/2015/09/main" Requires="p159">
+      <p:transition xmlns:p14="http://schemas.microsoft.com/office/powerpoint/2010/main" spd="slow" p14:dur="2000">
+        <p159:morph option="byObject"/>
+      </p:transition>
+    </mc:Choice>
+    <mc:Fallback>
+      <p:transition spd="slow">
+        <p:fade/>
+      </p:transition>
+    </mc:Fallback>
+  </mc:AlternateContent>
 </p:sld>
 </file>
 
@@ -12714,7 +12902,7 @@
           <p:cNvPr id="2" name="Title 1">
             <a:extLst>
               <a:ext uri="{FF2B5EF4-FFF2-40B4-BE49-F238E27FC236}">
-                <a16:creationId xmlns:a16="http://schemas.microsoft.com/office/drawing/2014/main" id="{1955F20B-166D-4D56-BB22-BA09BAC645C8}"/>
+                <a16:creationId xmlns:a16="http://schemas.microsoft.com/office/drawing/2014/main" id="{E36A2A34-EF06-4D30-80D3-118DAFFFB4D8}"/>
               </a:ext>
             </a:extLst>
           </p:cNvPr>
@@ -12732,7 +12920,7 @@
           <a:p>
             <a:r>
               <a:rPr lang="en-ZA" dirty="0"/>
-              <a:t>client</a:t>
+              <a:t>Agenda</a:t>
             </a:r>
           </a:p>
         </p:txBody>
@@ -12742,7 +12930,7 @@
           <p:cNvPr id="3" name="Content Placeholder 2">
             <a:extLst>
               <a:ext uri="{FF2B5EF4-FFF2-40B4-BE49-F238E27FC236}">
-                <a16:creationId xmlns:a16="http://schemas.microsoft.com/office/drawing/2014/main" id="{4AABCFD8-5CE1-4941-96F0-C6D8DBC91B74}"/>
+                <a16:creationId xmlns:a16="http://schemas.microsoft.com/office/drawing/2014/main" id="{D9ABB7C5-E041-4548-B22F-D66FCF337A93}"/>
               </a:ext>
             </a:extLst>
           </p:cNvPr>
@@ -12760,13 +12948,19 @@
           <a:p>
             <a:r>
               <a:rPr lang="en-ZA" dirty="0"/>
-              <a:t>Epi Use</a:t>
+              <a:t>Slideshow</a:t>
             </a:r>
           </a:p>
           <a:p>
             <a:r>
               <a:rPr lang="en-ZA" dirty="0"/>
-              <a:t>Last meeting was on 16 May</a:t>
+              <a:t>Live demo of system functionality</a:t>
+            </a:r>
+          </a:p>
+          <a:p>
+            <a:r>
+              <a:rPr lang="en-ZA" dirty="0"/>
+              <a:t>Q&amp;A</a:t>
             </a:r>
           </a:p>
         </p:txBody>
@@ -12774,7 +12968,7 @@
     </p:spTree>
     <p:extLst>
       <p:ext uri="{BB962C8B-B14F-4D97-AF65-F5344CB8AC3E}">
-        <p14:creationId xmlns:p14="http://schemas.microsoft.com/office/powerpoint/2010/main" val="3166231604"/>
+        <p14:creationId xmlns:p14="http://schemas.microsoft.com/office/powerpoint/2010/main" val="1970476238"/>
       </p:ext>
     </p:extLst>
   </p:cSld>
@@ -12824,7 +13018,7 @@
           <a:p>
             <a:r>
               <a:rPr lang="en-ZA" dirty="0"/>
-              <a:t>Project overview</a:t>
+              <a:t>User story</a:t>
             </a:r>
           </a:p>
         </p:txBody>
@@ -12845,47 +13039,46 @@
             <p:ph idx="1"/>
           </p:nvPr>
         </p:nvSpPr>
-        <p:spPr/>
+        <p:spPr>
+          <a:xfrm>
+            <a:off x="1141412" y="1841114"/>
+            <a:ext cx="9905999" cy="4824862"/>
+          </a:xfrm>
+        </p:spPr>
         <p:txBody>
           <a:bodyPr>
-            <a:normAutofit lnSpcReduction="10000"/>
+            <a:normAutofit/>
           </a:bodyPr>
           <a:lstStyle/>
           <a:p>
             <a:r>
               <a:rPr lang="en-ZA" dirty="0"/>
-              <a:t>Taxis’ locations with their usual routes are displayed on the client screen</a:t>
+              <a:t>Report a traffic violation using USSD or Web</a:t>
             </a:r>
           </a:p>
           <a:p>
             <a:r>
               <a:rPr lang="en-ZA" dirty="0"/>
-              <a:t>Commuters can request rides at designated pickup spots</a:t>
+              <a:t>Taxi drivers receive feedback on their phones regarding reported violations</a:t>
             </a:r>
           </a:p>
           <a:p>
             <a:r>
               <a:rPr lang="en-ZA" dirty="0"/>
-              <a:t>Commuters can then rate taxis based on certain criteria</a:t>
+              <a:t>A Taxi Boss has a management system for his/her taxi drivers where he/she can keep track of their traffic violations</a:t>
             </a:r>
           </a:p>
           <a:p>
             <a:r>
               <a:rPr lang="en-ZA" dirty="0"/>
-              <a:t>Commuters can follow a certain taxi driver</a:t>
+              <a:t>The Super User can get statistics and analytics regarding broader topics regarding monitors and violations</a:t>
             </a:r>
           </a:p>
           <a:p>
-            <a:r>
-              <a:rPr lang="en-ZA" dirty="0"/>
-              <a:t>The owner of the taxi can monitor the driver’s behaviour on the road this way</a:t>
-            </a:r>
-          </a:p>
-          <a:p>
-            <a:r>
-              <a:rPr lang="en-ZA" dirty="0"/>
-              <a:t>Machine Learning will be used to send notifications to taxi drivers regarding reckless driving</a:t>
-            </a:r>
+            <a:endParaRPr lang="en-ZA" dirty="0"/>
+          </a:p>
+          <a:p>
+            <a:endParaRPr lang="en-ZA" dirty="0"/>
           </a:p>
         </p:txBody>
       </p:sp>
@@ -12899,6 +13092,295 @@
   <p:clrMapOvr>
     <a:masterClrMapping/>
   </p:clrMapOvr>
+  <mc:AlternateContent xmlns:mc="http://schemas.openxmlformats.org/markup-compatibility/2006">
+    <mc:Choice xmlns:p159="http://schemas.microsoft.com/office/powerpoint/2015/09/main" Requires="p159">
+      <p:transition xmlns:p14="http://schemas.microsoft.com/office/powerpoint/2010/main" spd="slow" p14:dur="2000">
+        <p159:morph option="byObject"/>
+      </p:transition>
+    </mc:Choice>
+    <mc:Fallback>
+      <p:transition spd="slow">
+        <p:fade/>
+      </p:transition>
+    </mc:Fallback>
+  </mc:AlternateContent>
+  <p:timing>
+    <p:tnLst>
+      <p:par>
+        <p:cTn id="1" dur="indefinite" restart="never" nodeType="tmRoot">
+          <p:childTnLst>
+            <p:seq concurrent="1" nextAc="seek">
+              <p:cTn id="2" dur="indefinite" nodeType="mainSeq">
+                <p:childTnLst>
+                  <p:par>
+                    <p:cTn id="3" fill="hold">
+                      <p:stCondLst>
+                        <p:cond delay="indefinite"/>
+                        <p:cond evt="onBegin" delay="0">
+                          <p:tn val="2"/>
+                        </p:cond>
+                      </p:stCondLst>
+                      <p:childTnLst>
+                        <p:par>
+                          <p:cTn id="4" fill="hold">
+                            <p:stCondLst>
+                              <p:cond delay="0"/>
+                            </p:stCondLst>
+                            <p:childTnLst>
+                              <p:par>
+                                <p:cTn id="5" presetID="10" presetClass="entr" presetSubtype="0" fill="hold" nodeType="withEffect">
+                                  <p:stCondLst>
+                                    <p:cond delay="0"/>
+                                  </p:stCondLst>
+                                  <p:childTnLst>
+                                    <p:set>
+                                      <p:cBhvr>
+                                        <p:cTn id="6" dur="1" fill="hold">
+                                          <p:stCondLst>
+                                            <p:cond delay="0"/>
+                                          </p:stCondLst>
+                                        </p:cTn>
+                                        <p:tgtEl>
+                                          <p:spTgt spid="3">
+                                            <p:txEl>
+                                              <p:pRg st="0" end="0"/>
+                                            </p:txEl>
+                                          </p:spTgt>
+                                        </p:tgtEl>
+                                        <p:attrNameLst>
+                                          <p:attrName>style.visibility</p:attrName>
+                                        </p:attrNameLst>
+                                      </p:cBhvr>
+                                      <p:to>
+                                        <p:strVal val="visible"/>
+                                      </p:to>
+                                    </p:set>
+                                    <p:animEffect transition="in" filter="fade">
+                                      <p:cBhvr>
+                                        <p:cTn id="7" dur="500"/>
+                                        <p:tgtEl>
+                                          <p:spTgt spid="3">
+                                            <p:txEl>
+                                              <p:pRg st="0" end="0"/>
+                                            </p:txEl>
+                                          </p:spTgt>
+                                        </p:tgtEl>
+                                      </p:cBhvr>
+                                    </p:animEffect>
+                                  </p:childTnLst>
+                                </p:cTn>
+                              </p:par>
+                            </p:childTnLst>
+                          </p:cTn>
+                        </p:par>
+                      </p:childTnLst>
+                    </p:cTn>
+                  </p:par>
+                  <p:par>
+                    <p:cTn id="8" fill="hold">
+                      <p:stCondLst>
+                        <p:cond delay="indefinite"/>
+                      </p:stCondLst>
+                      <p:childTnLst>
+                        <p:par>
+                          <p:cTn id="9" fill="hold">
+                            <p:stCondLst>
+                              <p:cond delay="0"/>
+                            </p:stCondLst>
+                            <p:childTnLst>
+                              <p:par>
+                                <p:cTn id="10" presetID="10" presetClass="entr" presetSubtype="0" fill="hold" nodeType="clickEffect">
+                                  <p:stCondLst>
+                                    <p:cond delay="0"/>
+                                  </p:stCondLst>
+                                  <p:childTnLst>
+                                    <p:set>
+                                      <p:cBhvr>
+                                        <p:cTn id="11" dur="1" fill="hold">
+                                          <p:stCondLst>
+                                            <p:cond delay="0"/>
+                                          </p:stCondLst>
+                                        </p:cTn>
+                                        <p:tgtEl>
+                                          <p:spTgt spid="3">
+                                            <p:txEl>
+                                              <p:pRg st="1" end="1"/>
+                                            </p:txEl>
+                                          </p:spTgt>
+                                        </p:tgtEl>
+                                        <p:attrNameLst>
+                                          <p:attrName>style.visibility</p:attrName>
+                                        </p:attrNameLst>
+                                      </p:cBhvr>
+                                      <p:to>
+                                        <p:strVal val="visible"/>
+                                      </p:to>
+                                    </p:set>
+                                    <p:animEffect transition="in" filter="fade">
+                                      <p:cBhvr>
+                                        <p:cTn id="12" dur="500"/>
+                                        <p:tgtEl>
+                                          <p:spTgt spid="3">
+                                            <p:txEl>
+                                              <p:pRg st="1" end="1"/>
+                                            </p:txEl>
+                                          </p:spTgt>
+                                        </p:tgtEl>
+                                      </p:cBhvr>
+                                    </p:animEffect>
+                                  </p:childTnLst>
+                                </p:cTn>
+                              </p:par>
+                            </p:childTnLst>
+                          </p:cTn>
+                        </p:par>
+                      </p:childTnLst>
+                    </p:cTn>
+                  </p:par>
+                  <p:par>
+                    <p:cTn id="13" fill="hold">
+                      <p:stCondLst>
+                        <p:cond delay="indefinite"/>
+                      </p:stCondLst>
+                      <p:childTnLst>
+                        <p:par>
+                          <p:cTn id="14" fill="hold">
+                            <p:stCondLst>
+                              <p:cond delay="0"/>
+                            </p:stCondLst>
+                            <p:childTnLst>
+                              <p:par>
+                                <p:cTn id="15" presetID="10" presetClass="entr" presetSubtype="0" fill="hold" nodeType="clickEffect">
+                                  <p:stCondLst>
+                                    <p:cond delay="0"/>
+                                  </p:stCondLst>
+                                  <p:childTnLst>
+                                    <p:set>
+                                      <p:cBhvr>
+                                        <p:cTn id="16" dur="1" fill="hold">
+                                          <p:stCondLst>
+                                            <p:cond delay="0"/>
+                                          </p:stCondLst>
+                                        </p:cTn>
+                                        <p:tgtEl>
+                                          <p:spTgt spid="3">
+                                            <p:txEl>
+                                              <p:pRg st="2" end="2"/>
+                                            </p:txEl>
+                                          </p:spTgt>
+                                        </p:tgtEl>
+                                        <p:attrNameLst>
+                                          <p:attrName>style.visibility</p:attrName>
+                                        </p:attrNameLst>
+                                      </p:cBhvr>
+                                      <p:to>
+                                        <p:strVal val="visible"/>
+                                      </p:to>
+                                    </p:set>
+                                    <p:animEffect transition="in" filter="fade">
+                                      <p:cBhvr>
+                                        <p:cTn id="17" dur="500"/>
+                                        <p:tgtEl>
+                                          <p:spTgt spid="3">
+                                            <p:txEl>
+                                              <p:pRg st="2" end="2"/>
+                                            </p:txEl>
+                                          </p:spTgt>
+                                        </p:tgtEl>
+                                      </p:cBhvr>
+                                    </p:animEffect>
+                                  </p:childTnLst>
+                                </p:cTn>
+                              </p:par>
+                            </p:childTnLst>
+                          </p:cTn>
+                        </p:par>
+                      </p:childTnLst>
+                    </p:cTn>
+                  </p:par>
+                  <p:par>
+                    <p:cTn id="18" fill="hold">
+                      <p:stCondLst>
+                        <p:cond delay="indefinite"/>
+                      </p:stCondLst>
+                      <p:childTnLst>
+                        <p:par>
+                          <p:cTn id="19" fill="hold">
+                            <p:stCondLst>
+                              <p:cond delay="0"/>
+                            </p:stCondLst>
+                            <p:childTnLst>
+                              <p:par>
+                                <p:cTn id="20" presetID="10" presetClass="entr" presetSubtype="0" fill="hold" nodeType="clickEffect">
+                                  <p:stCondLst>
+                                    <p:cond delay="0"/>
+                                  </p:stCondLst>
+                                  <p:childTnLst>
+                                    <p:set>
+                                      <p:cBhvr>
+                                        <p:cTn id="21" dur="1" fill="hold">
+                                          <p:stCondLst>
+                                            <p:cond delay="0"/>
+                                          </p:stCondLst>
+                                        </p:cTn>
+                                        <p:tgtEl>
+                                          <p:spTgt spid="3">
+                                            <p:txEl>
+                                              <p:pRg st="3" end="3"/>
+                                            </p:txEl>
+                                          </p:spTgt>
+                                        </p:tgtEl>
+                                        <p:attrNameLst>
+                                          <p:attrName>style.visibility</p:attrName>
+                                        </p:attrNameLst>
+                                      </p:cBhvr>
+                                      <p:to>
+                                        <p:strVal val="visible"/>
+                                      </p:to>
+                                    </p:set>
+                                    <p:animEffect transition="in" filter="fade">
+                                      <p:cBhvr>
+                                        <p:cTn id="22" dur="500"/>
+                                        <p:tgtEl>
+                                          <p:spTgt spid="3">
+                                            <p:txEl>
+                                              <p:pRg st="3" end="3"/>
+                                            </p:txEl>
+                                          </p:spTgt>
+                                        </p:tgtEl>
+                                      </p:cBhvr>
+                                    </p:animEffect>
+                                  </p:childTnLst>
+                                </p:cTn>
+                              </p:par>
+                            </p:childTnLst>
+                          </p:cTn>
+                        </p:par>
+                      </p:childTnLst>
+                    </p:cTn>
+                  </p:par>
+                </p:childTnLst>
+              </p:cTn>
+              <p:prevCondLst>
+                <p:cond evt="onPrev" delay="0">
+                  <p:tgtEl>
+                    <p:sldTgt/>
+                  </p:tgtEl>
+                </p:cond>
+              </p:prevCondLst>
+              <p:nextCondLst>
+                <p:cond evt="onNext" delay="0">
+                  <p:tgtEl>
+                    <p:sldTgt/>
+                  </p:tgtEl>
+                </p:cond>
+              </p:nextCondLst>
+            </p:seq>
+          </p:childTnLst>
+        </p:cTn>
+      </p:par>
+    </p:tnLst>
+  </p:timing>
 </p:sld>
 </file>
 
@@ -12942,17 +13424,306 @@
           <a:p>
             <a:r>
               <a:rPr lang="en-ZA" dirty="0"/>
-              <a:t>System architecture</a:t>
+              <a:t>Why the system is boss</a:t>
             </a:r>
           </a:p>
         </p:txBody>
       </p:sp>
+      <p:sp>
+        <p:nvSpPr>
+          <p:cNvPr id="4" name="Content Placeholder 3">
+            <a:extLst>
+              <a:ext uri="{FF2B5EF4-FFF2-40B4-BE49-F238E27FC236}">
+                <a16:creationId xmlns:a16="http://schemas.microsoft.com/office/drawing/2014/main" id="{F25A63AA-4F14-49B8-B917-A990B4CAF3F8}"/>
+              </a:ext>
+            </a:extLst>
+          </p:cNvPr>
+          <p:cNvSpPr>
+            <a:spLocks noGrp="1"/>
+          </p:cNvSpPr>
+          <p:nvPr>
+            <p:ph idx="1"/>
+          </p:nvPr>
+        </p:nvSpPr>
+        <p:spPr/>
+        <p:txBody>
+          <a:bodyPr/>
+          <a:lstStyle/>
+          <a:p>
+            <a:r>
+              <a:rPr lang="en-ZA" dirty="0"/>
+              <a:t>Automatic detection and reporting of speeding on the taxi driver phone app</a:t>
+            </a:r>
+          </a:p>
+          <a:p>
+            <a:r>
+              <a:rPr lang="en-ZA" dirty="0"/>
+              <a:t>Graph data displayed in both the Super User View and the Taxi Boss View</a:t>
+            </a:r>
+          </a:p>
+          <a:p>
+            <a:r>
+              <a:rPr lang="en-ZA" dirty="0"/>
+              <a:t>Reports are generated and exported in PDF and Spreadsheet form in the Super User view to provide data to government and large corporations</a:t>
+            </a:r>
+          </a:p>
+          <a:p>
+            <a:endParaRPr lang="en-ZA" dirty="0"/>
+          </a:p>
+        </p:txBody>
+      </p:sp>
+    </p:spTree>
+    <p:extLst>
+      <p:ext uri="{BB962C8B-B14F-4D97-AF65-F5344CB8AC3E}">
+        <p14:creationId xmlns:p14="http://schemas.microsoft.com/office/powerpoint/2010/main" val="1417733162"/>
+      </p:ext>
+    </p:extLst>
+  </p:cSld>
+  <p:clrMapOvr>
+    <a:masterClrMapping/>
+  </p:clrMapOvr>
+  <p:timing>
+    <p:tnLst>
+      <p:par>
+        <p:cTn id="1" dur="indefinite" restart="never" nodeType="tmRoot">
+          <p:childTnLst>
+            <p:seq concurrent="1" nextAc="seek">
+              <p:cTn id="2" dur="indefinite" nodeType="mainSeq">
+                <p:childTnLst>
+                  <p:par>
+                    <p:cTn id="3" fill="hold">
+                      <p:stCondLst>
+                        <p:cond delay="indefinite"/>
+                        <p:cond evt="onBegin" delay="0">
+                          <p:tn val="2"/>
+                        </p:cond>
+                      </p:stCondLst>
+                      <p:childTnLst>
+                        <p:par>
+                          <p:cTn id="4" fill="hold">
+                            <p:stCondLst>
+                              <p:cond delay="0"/>
+                            </p:stCondLst>
+                            <p:childTnLst>
+                              <p:par>
+                                <p:cTn id="5" presetID="10" presetClass="entr" presetSubtype="0" fill="hold" nodeType="withEffect">
+                                  <p:stCondLst>
+                                    <p:cond delay="0"/>
+                                  </p:stCondLst>
+                                  <p:childTnLst>
+                                    <p:set>
+                                      <p:cBhvr>
+                                        <p:cTn id="6" dur="1" fill="hold">
+                                          <p:stCondLst>
+                                            <p:cond delay="0"/>
+                                          </p:stCondLst>
+                                        </p:cTn>
+                                        <p:tgtEl>
+                                          <p:spTgt spid="4">
+                                            <p:txEl>
+                                              <p:pRg st="0" end="0"/>
+                                            </p:txEl>
+                                          </p:spTgt>
+                                        </p:tgtEl>
+                                        <p:attrNameLst>
+                                          <p:attrName>style.visibility</p:attrName>
+                                        </p:attrNameLst>
+                                      </p:cBhvr>
+                                      <p:to>
+                                        <p:strVal val="visible"/>
+                                      </p:to>
+                                    </p:set>
+                                    <p:animEffect transition="in" filter="fade">
+                                      <p:cBhvr>
+                                        <p:cTn id="7" dur="500"/>
+                                        <p:tgtEl>
+                                          <p:spTgt spid="4">
+                                            <p:txEl>
+                                              <p:pRg st="0" end="0"/>
+                                            </p:txEl>
+                                          </p:spTgt>
+                                        </p:tgtEl>
+                                      </p:cBhvr>
+                                    </p:animEffect>
+                                  </p:childTnLst>
+                                </p:cTn>
+                              </p:par>
+                            </p:childTnLst>
+                          </p:cTn>
+                        </p:par>
+                      </p:childTnLst>
+                    </p:cTn>
+                  </p:par>
+                  <p:par>
+                    <p:cTn id="8" fill="hold">
+                      <p:stCondLst>
+                        <p:cond delay="indefinite"/>
+                      </p:stCondLst>
+                      <p:childTnLst>
+                        <p:par>
+                          <p:cTn id="9" fill="hold">
+                            <p:stCondLst>
+                              <p:cond delay="0"/>
+                            </p:stCondLst>
+                            <p:childTnLst>
+                              <p:par>
+                                <p:cTn id="10" presetID="10" presetClass="entr" presetSubtype="0" fill="hold" nodeType="clickEffect">
+                                  <p:stCondLst>
+                                    <p:cond delay="0"/>
+                                  </p:stCondLst>
+                                  <p:childTnLst>
+                                    <p:set>
+                                      <p:cBhvr>
+                                        <p:cTn id="11" dur="1" fill="hold">
+                                          <p:stCondLst>
+                                            <p:cond delay="0"/>
+                                          </p:stCondLst>
+                                        </p:cTn>
+                                        <p:tgtEl>
+                                          <p:spTgt spid="4">
+                                            <p:txEl>
+                                              <p:pRg st="1" end="1"/>
+                                            </p:txEl>
+                                          </p:spTgt>
+                                        </p:tgtEl>
+                                        <p:attrNameLst>
+                                          <p:attrName>style.visibility</p:attrName>
+                                        </p:attrNameLst>
+                                      </p:cBhvr>
+                                      <p:to>
+                                        <p:strVal val="visible"/>
+                                      </p:to>
+                                    </p:set>
+                                    <p:animEffect transition="in" filter="fade">
+                                      <p:cBhvr>
+                                        <p:cTn id="12" dur="500"/>
+                                        <p:tgtEl>
+                                          <p:spTgt spid="4">
+                                            <p:txEl>
+                                              <p:pRg st="1" end="1"/>
+                                            </p:txEl>
+                                          </p:spTgt>
+                                        </p:tgtEl>
+                                      </p:cBhvr>
+                                    </p:animEffect>
+                                  </p:childTnLst>
+                                </p:cTn>
+                              </p:par>
+                            </p:childTnLst>
+                          </p:cTn>
+                        </p:par>
+                      </p:childTnLst>
+                    </p:cTn>
+                  </p:par>
+                  <p:par>
+                    <p:cTn id="13" fill="hold">
+                      <p:stCondLst>
+                        <p:cond delay="indefinite"/>
+                      </p:stCondLst>
+                      <p:childTnLst>
+                        <p:par>
+                          <p:cTn id="14" fill="hold">
+                            <p:stCondLst>
+                              <p:cond delay="0"/>
+                            </p:stCondLst>
+                            <p:childTnLst>
+                              <p:par>
+                                <p:cTn id="15" presetID="10" presetClass="entr" presetSubtype="0" fill="hold" nodeType="clickEffect">
+                                  <p:stCondLst>
+                                    <p:cond delay="0"/>
+                                  </p:stCondLst>
+                                  <p:childTnLst>
+                                    <p:set>
+                                      <p:cBhvr>
+                                        <p:cTn id="16" dur="1" fill="hold">
+                                          <p:stCondLst>
+                                            <p:cond delay="0"/>
+                                          </p:stCondLst>
+                                        </p:cTn>
+                                        <p:tgtEl>
+                                          <p:spTgt spid="4">
+                                            <p:txEl>
+                                              <p:pRg st="2" end="2"/>
+                                            </p:txEl>
+                                          </p:spTgt>
+                                        </p:tgtEl>
+                                        <p:attrNameLst>
+                                          <p:attrName>style.visibility</p:attrName>
+                                        </p:attrNameLst>
+                                      </p:cBhvr>
+                                      <p:to>
+                                        <p:strVal val="visible"/>
+                                      </p:to>
+                                    </p:set>
+                                    <p:animEffect transition="in" filter="fade">
+                                      <p:cBhvr>
+                                        <p:cTn id="17" dur="500"/>
+                                        <p:tgtEl>
+                                          <p:spTgt spid="4">
+                                            <p:txEl>
+                                              <p:pRg st="2" end="2"/>
+                                            </p:txEl>
+                                          </p:spTgt>
+                                        </p:tgtEl>
+                                      </p:cBhvr>
+                                    </p:animEffect>
+                                  </p:childTnLst>
+                                </p:cTn>
+                              </p:par>
+                            </p:childTnLst>
+                          </p:cTn>
+                        </p:par>
+                      </p:childTnLst>
+                    </p:cTn>
+                  </p:par>
+                </p:childTnLst>
+              </p:cTn>
+              <p:prevCondLst>
+                <p:cond evt="onPrev" delay="0">
+                  <p:tgtEl>
+                    <p:sldTgt/>
+                  </p:tgtEl>
+                </p:cond>
+              </p:prevCondLst>
+              <p:nextCondLst>
+                <p:cond evt="onNext" delay="0">
+                  <p:tgtEl>
+                    <p:sldTgt/>
+                  </p:tgtEl>
+                </p:cond>
+              </p:nextCondLst>
+            </p:seq>
+          </p:childTnLst>
+        </p:cTn>
+      </p:par>
+    </p:tnLst>
+  </p:timing>
+</p:sld>
+</file>
+
+<file path=ppt/slides/slide6.xml><?xml version="1.0" encoding="utf-8"?>
+<p:sld xmlns:a="http://schemas.openxmlformats.org/drawingml/2006/main" xmlns:r="http://schemas.openxmlformats.org/officeDocument/2006/relationships" xmlns:p="http://schemas.openxmlformats.org/presentationml/2006/main">
+  <p:cSld>
+    <p:spTree>
+      <p:nvGrpSpPr>
+        <p:cNvPr id="1" name=""/>
+        <p:cNvGrpSpPr/>
+        <p:nvPr/>
+      </p:nvGrpSpPr>
+      <p:grpSpPr>
+        <a:xfrm>
+          <a:off x="0" y="0"/>
+          <a:ext cx="0" cy="0"/>
+          <a:chOff x="0" y="0"/>
+          <a:chExt cx="0" cy="0"/>
+        </a:xfrm>
+      </p:grpSpPr>
       <p:pic>
         <p:nvPicPr>
           <p:cNvPr id="5" name="Content Placeholder 4">
             <a:extLst>
               <a:ext uri="{FF2B5EF4-FFF2-40B4-BE49-F238E27FC236}">
-                <a16:creationId xmlns:a16="http://schemas.microsoft.com/office/drawing/2014/main" id="{CE4E7D6A-D919-457F-B2DA-EDCB384ECD01}"/>
+                <a16:creationId xmlns:a16="http://schemas.microsoft.com/office/drawing/2014/main" id="{89DE4E02-591A-4A99-B8BC-3592682A47F4}"/>
               </a:ext>
             </a:extLst>
           </p:cNvPr>
@@ -12977,135 +13748,11 @@
         </p:blipFill>
         <p:spPr>
           <a:xfrm>
-            <a:off x="1225119" y="101878"/>
-            <a:ext cx="8930935" cy="6476476"/>
+            <a:off x="1604708" y="19996"/>
+            <a:ext cx="8979408" cy="6818008"/>
           </a:xfrm>
         </p:spPr>
       </p:pic>
-    </p:spTree>
-    <p:extLst>
-      <p:ext uri="{BB962C8B-B14F-4D97-AF65-F5344CB8AC3E}">
-        <p14:creationId xmlns:p14="http://schemas.microsoft.com/office/powerpoint/2010/main" val="1417733162"/>
-      </p:ext>
-    </p:extLst>
-  </p:cSld>
-  <p:clrMapOvr>
-    <a:masterClrMapping/>
-  </p:clrMapOvr>
-</p:sld>
-</file>
-
-<file path=ppt/slides/slide6.xml><?xml version="1.0" encoding="utf-8"?>
-<p:sld xmlns:a="http://schemas.openxmlformats.org/drawingml/2006/main" xmlns:r="http://schemas.openxmlformats.org/officeDocument/2006/relationships" xmlns:p="http://schemas.openxmlformats.org/presentationml/2006/main">
-  <p:cSld>
-    <p:spTree>
-      <p:nvGrpSpPr>
-        <p:cNvPr id="1" name=""/>
-        <p:cNvGrpSpPr/>
-        <p:nvPr/>
-      </p:nvGrpSpPr>
-      <p:grpSpPr>
-        <a:xfrm>
-          <a:off x="0" y="0"/>
-          <a:ext cx="0" cy="0"/>
-          <a:chOff x="0" y="0"/>
-          <a:chExt cx="0" cy="0"/>
-        </a:xfrm>
-      </p:grpSpPr>
-      <p:sp>
-        <p:nvSpPr>
-          <p:cNvPr id="2" name="Title 1">
-            <a:extLst>
-              <a:ext uri="{FF2B5EF4-FFF2-40B4-BE49-F238E27FC236}">
-                <a16:creationId xmlns:a16="http://schemas.microsoft.com/office/drawing/2014/main" id="{32FDB231-6E2C-4E80-BC4E-A82D3AF5E36E}"/>
-              </a:ext>
-            </a:extLst>
-          </p:cNvPr>
-          <p:cNvSpPr>
-            <a:spLocks noGrp="1"/>
-          </p:cNvSpPr>
-          <p:nvPr>
-            <p:ph type="title"/>
-          </p:nvPr>
-        </p:nvSpPr>
-        <p:spPr/>
-        <p:txBody>
-          <a:bodyPr/>
-          <a:lstStyle/>
-          <a:p>
-            <a:r>
-              <a:rPr lang="en-ZA" dirty="0"/>
-              <a:t>Technologies used</a:t>
-            </a:r>
-          </a:p>
-        </p:txBody>
-      </p:sp>
-      <p:sp>
-        <p:nvSpPr>
-          <p:cNvPr id="3" name="Content Placeholder 2">
-            <a:extLst>
-              <a:ext uri="{FF2B5EF4-FFF2-40B4-BE49-F238E27FC236}">
-                <a16:creationId xmlns:a16="http://schemas.microsoft.com/office/drawing/2014/main" id="{04CD29AC-C91E-454E-B8C1-91E962681D18}"/>
-              </a:ext>
-            </a:extLst>
-          </p:cNvPr>
-          <p:cNvSpPr>
-            <a:spLocks noGrp="1"/>
-          </p:cNvSpPr>
-          <p:nvPr>
-            <p:ph idx="1"/>
-          </p:nvPr>
-        </p:nvSpPr>
-        <p:spPr/>
-        <p:txBody>
-          <a:bodyPr/>
-          <a:lstStyle/>
-          <a:p>
-            <a:r>
-              <a:rPr lang="en-ZA" dirty="0"/>
-              <a:t>Flutter UI Framework</a:t>
-            </a:r>
-          </a:p>
-          <a:p>
-            <a:r>
-              <a:rPr lang="en-ZA" dirty="0"/>
-              <a:t>Firebase Cloud </a:t>
-            </a:r>
-            <a:r>
-              <a:rPr lang="en-ZA" dirty="0" err="1"/>
-              <a:t>Firestore</a:t>
-            </a:r>
-            <a:r>
-              <a:rPr lang="en-ZA" dirty="0"/>
-              <a:t> for storing all data</a:t>
-            </a:r>
-          </a:p>
-          <a:p>
-            <a:r>
-              <a:rPr lang="en-ZA" dirty="0"/>
-              <a:t>Google Maps integration</a:t>
-            </a:r>
-          </a:p>
-          <a:p>
-            <a:r>
-              <a:rPr lang="en-ZA" dirty="0"/>
-              <a:t>Travis CI for continuous integration</a:t>
-            </a:r>
-          </a:p>
-          <a:p>
-            <a:r>
-              <a:rPr lang="en-ZA" dirty="0"/>
-              <a:t>Firebase Hosting</a:t>
-            </a:r>
-          </a:p>
-          <a:p>
-            <a:r>
-              <a:rPr lang="en-ZA" dirty="0"/>
-              <a:t>Angular</a:t>
-            </a:r>
-          </a:p>
-        </p:txBody>
-      </p:sp>
     </p:spTree>
     <p:extLst>
       <p:ext uri="{BB962C8B-B14F-4D97-AF65-F5344CB8AC3E}">
@@ -13199,14 +13846,23 @@
           <a:p>
             <a:r>
               <a:rPr lang="en-ZA" dirty="0"/>
-              <a:t>Integration test with flutter driver</a:t>
+              <a:t>Unit testing with firebase</a:t>
             </a:r>
           </a:p>
           <a:p>
             <a:r>
               <a:rPr lang="en-ZA" dirty="0"/>
-              <a:t>Mocha and Chai for Angular Unit testing</a:t>
+              <a:t>Integration testing with Travis CI</a:t>
             </a:r>
+          </a:p>
+          <a:p>
+            <a:endParaRPr lang="en-ZA" dirty="0"/>
+          </a:p>
+          <a:p>
+            <a:pPr marL="0" indent="0">
+              <a:buNone/>
+            </a:pPr>
+            <a:endParaRPr lang="en-ZA" dirty="0"/>
           </a:p>
         </p:txBody>
       </p:sp>
@@ -13245,7 +13901,7 @@
           <p:cNvPr id="2" name="Title 1">
             <a:extLst>
               <a:ext uri="{FF2B5EF4-FFF2-40B4-BE49-F238E27FC236}">
-                <a16:creationId xmlns:a16="http://schemas.microsoft.com/office/drawing/2014/main" id="{23B5803E-34C8-4443-8752-46B156E16A4F}"/>
+                <a16:creationId xmlns:a16="http://schemas.microsoft.com/office/drawing/2014/main" id="{9C5BECA9-892F-418C-A4B9-F68BC9AFC033}"/>
               </a:ext>
             </a:extLst>
           </p:cNvPr>
@@ -13261,17 +13917,49 @@
           <a:bodyPr/>
           <a:lstStyle/>
           <a:p>
-            <a:r>
-              <a:rPr lang="en-ZA" dirty="0"/>
-              <a:t>Coding standards</a:t>
-            </a:r>
+            <a:endParaRPr lang="en-ZA"/>
           </a:p>
         </p:txBody>
       </p:sp>
+      <p:pic>
+        <p:nvPicPr>
+          <p:cNvPr id="5" name="Content Placeholder 4">
+            <a:extLst>
+              <a:ext uri="{FF2B5EF4-FFF2-40B4-BE49-F238E27FC236}">
+                <a16:creationId xmlns:a16="http://schemas.microsoft.com/office/drawing/2014/main" id="{3779226D-4CAE-4C7D-8D52-4D0176EC6922}"/>
+              </a:ext>
+            </a:extLst>
+          </p:cNvPr>
+          <p:cNvPicPr>
+            <a:picLocks noGrp="1" noChangeAspect="1"/>
+          </p:cNvPicPr>
+          <p:nvPr>
+            <p:ph idx="1"/>
+          </p:nvPr>
+        </p:nvPicPr>
+        <p:blipFill>
+          <a:blip r:embed="rId2">
+            <a:extLst>
+              <a:ext uri="{28A0092B-C50C-407E-A947-70E740481C1C}">
+                <a14:useLocalDpi xmlns:a14="http://schemas.microsoft.com/office/drawing/2010/main" val="0"/>
+              </a:ext>
+            </a:extLst>
+          </a:blip>
+          <a:stretch>
+            <a:fillRect/>
+          </a:stretch>
+        </p:blipFill>
+        <p:spPr>
+          <a:xfrm>
+            <a:off x="301752" y="176120"/>
+            <a:ext cx="11548872" cy="6496241"/>
+          </a:xfrm>
+        </p:spPr>
+      </p:pic>
     </p:spTree>
     <p:extLst>
       <p:ext uri="{BB962C8B-B14F-4D97-AF65-F5344CB8AC3E}">
-        <p14:creationId xmlns:p14="http://schemas.microsoft.com/office/powerpoint/2010/main" val="3888383084"/>
+        <p14:creationId xmlns:p14="http://schemas.microsoft.com/office/powerpoint/2010/main" val="1264388604"/>
       </p:ext>
     </p:extLst>
   </p:cSld>
@@ -13303,7 +13991,7 @@
           <p:cNvPr id="2" name="Title 1">
             <a:extLst>
               <a:ext uri="{FF2B5EF4-FFF2-40B4-BE49-F238E27FC236}">
-                <a16:creationId xmlns:a16="http://schemas.microsoft.com/office/drawing/2014/main" id="{27C45144-C3E5-4420-B97B-4E14FB21DB23}"/>
+                <a16:creationId xmlns:a16="http://schemas.microsoft.com/office/drawing/2014/main" id="{23B5803E-34C8-4443-8752-46B156E16A4F}"/>
               </a:ext>
             </a:extLst>
           </p:cNvPr>
@@ -13321,15 +14009,123 @@
           <a:p>
             <a:r>
               <a:rPr lang="en-ZA" dirty="0"/>
-              <a:t>ci</a:t>
+              <a:t>What is left to be implemented</a:t>
             </a:r>
           </a:p>
         </p:txBody>
       </p:sp>
+      <p:sp>
+        <p:nvSpPr>
+          <p:cNvPr id="3" name="TextBox 2">
+            <a:extLst>
+              <a:ext uri="{FF2B5EF4-FFF2-40B4-BE49-F238E27FC236}">
+                <a16:creationId xmlns:a16="http://schemas.microsoft.com/office/drawing/2014/main" id="{551B1FF9-CFB7-4C71-AF0F-7A9665ECA448}"/>
+              </a:ext>
+            </a:extLst>
+          </p:cNvPr>
+          <p:cNvSpPr txBox="1"/>
+          <p:nvPr/>
+        </p:nvSpPr>
+        <p:spPr>
+          <a:xfrm>
+            <a:off x="1141413" y="2097088"/>
+            <a:ext cx="9905997" cy="2062103"/>
+          </a:xfrm>
+          <a:prstGeom prst="rect">
+            <a:avLst/>
+          </a:prstGeom>
+          <a:noFill/>
+        </p:spPr>
+        <p:txBody>
+          <a:bodyPr wrap="square" rtlCol="0">
+            <a:spAutoFit/>
+          </a:bodyPr>
+          <a:lstStyle/>
+          <a:p>
+            <a:pPr marL="457200" indent="-457200">
+              <a:buFont typeface="Arial" panose="020B0604020202020204" pitchFamily="34" charset="0"/>
+              <a:buChar char="•"/>
+            </a:pPr>
+            <a:r>
+              <a:rPr lang="en-ZA" sz="3200" dirty="0"/>
+              <a:t>Data validation for driver registration</a:t>
+            </a:r>
+          </a:p>
+          <a:p>
+            <a:pPr marL="457200" indent="-457200">
+              <a:buFont typeface="Arial" panose="020B0604020202020204" pitchFamily="34" charset="0"/>
+              <a:buChar char="•"/>
+            </a:pPr>
+            <a:r>
+              <a:rPr lang="en-ZA" sz="3200" dirty="0"/>
+              <a:t>Add more graphs to super user website</a:t>
+            </a:r>
+          </a:p>
+          <a:p>
+            <a:pPr marL="457200" indent="-457200">
+              <a:buFont typeface="Arial" panose="020B0604020202020204" pitchFamily="34" charset="0"/>
+              <a:buChar char="•"/>
+            </a:pPr>
+            <a:r>
+              <a:rPr lang="en-ZA" sz="3200" dirty="0"/>
+              <a:t>Add more flexibility in personalized graph generation</a:t>
+            </a:r>
+          </a:p>
+          <a:p>
+            <a:pPr marL="457200" indent="-457200">
+              <a:buFont typeface="Arial" panose="020B0604020202020204" pitchFamily="34" charset="0"/>
+              <a:buChar char="•"/>
+            </a:pPr>
+            <a:r>
+              <a:rPr lang="en-ZA" sz="3200" dirty="0"/>
+              <a:t>Smoother running speedometer on taxi driver app</a:t>
+            </a:r>
+          </a:p>
+        </p:txBody>
+      </p:sp>
+      <p:pic>
+        <p:nvPicPr>
+          <p:cNvPr id="5" name="Picture 4">
+            <a:extLst>
+              <a:ext uri="{FF2B5EF4-FFF2-40B4-BE49-F238E27FC236}">
+                <a16:creationId xmlns:a16="http://schemas.microsoft.com/office/drawing/2014/main" id="{E3577624-A685-4E47-8997-C28449E7FB32}"/>
+              </a:ext>
+            </a:extLst>
+          </p:cNvPr>
+          <p:cNvPicPr>
+            <a:picLocks noChangeAspect="1"/>
+          </p:cNvPicPr>
+          <p:nvPr/>
+        </p:nvPicPr>
+        <p:blipFill>
+          <a:blip r:embed="rId2">
+            <a:extLst>
+              <a:ext uri="{28A0092B-C50C-407E-A947-70E740481C1C}">
+                <a14:useLocalDpi xmlns:a14="http://schemas.microsoft.com/office/drawing/2010/main" val="0"/>
+              </a:ext>
+              <a:ext uri="{837473B0-CC2E-450A-ABE3-18F120FF3D39}">
+                <a1611:picAttrSrcUrl xmlns:a1611="http://schemas.microsoft.com/office/drawing/2016/11/main" r:id="rId3"/>
+              </a:ext>
+            </a:extLst>
+          </a:blip>
+          <a:stretch>
+            <a:fillRect/>
+          </a:stretch>
+        </p:blipFill>
+        <p:spPr>
+          <a:xfrm>
+            <a:off x="4723130" y="4264891"/>
+            <a:ext cx="2745740" cy="2745740"/>
+          </a:xfrm>
+          <a:prstGeom prst="rect">
+            <a:avLst/>
+          </a:prstGeom>
+        </p:spPr>
+      </p:pic>
     </p:spTree>
     <p:extLst>
       <p:ext uri="{BB962C8B-B14F-4D97-AF65-F5344CB8AC3E}">
-        <p14:creationId xmlns:p14="http://schemas.microsoft.com/office/powerpoint/2010/main" val="3371169255"/>
+        <p14:creationId xmlns:p14="http://schemas.microsoft.com/office/powerpoint/2010/main" val="3888383084"/>
       </p:ext>
     </p:extLst>
   </p:cSld>

--- a/Supreme internect demo 1.pptx
+++ b/Supreme internect demo 1.pptx
@@ -14,8 +14,9 @@
     <p:sldId id="266" r:id="rId8"/>
     <p:sldId id="270" r:id="rId9"/>
     <p:sldId id="265" r:id="rId10"/>
-    <p:sldId id="261" r:id="rId11"/>
-    <p:sldId id="268" r:id="rId12"/>
+    <p:sldId id="272" r:id="rId11"/>
+    <p:sldId id="261" r:id="rId12"/>
+    <p:sldId id="268" r:id="rId13"/>
   </p:sldIdLst>
   <p:sldSz cx="12192000" cy="6858000"/>
   <p:notesSz cx="6858000" cy="9144000"/>
@@ -172,7 +173,7 @@
           <a:noFill/>
           <a:extLst>
             <a:ext uri="{909E8E84-426E-40dd-AFC4-6F175D3DCCD1}">
-              <a14:hiddenFill xmlns:a14="http://schemas.microsoft.com/office/drawing/2010/main" xmlns="">
+              <a14:hiddenFill xmlns="" xmlns:a14="http://schemas.microsoft.com/office/drawing/2010/main">
                 <a:solidFill>
                   <a:srgbClr val="FFFFFF"/>
                 </a:solidFill>
@@ -232,7 +233,7 @@
             </a:ln>
             <a:extLst>
               <a:ext uri="{91240B29-F687-4f45-9708-019B960494DF}">
-                <a14:hiddenLine xmlns:a14="http://schemas.microsoft.com/office/drawing/2010/main" xmlns="" w="9525">
+                <a14:hiddenLine xmlns="" xmlns:a14="http://schemas.microsoft.com/office/drawing/2010/main" w="9525">
                   <a:solidFill>
                     <a:srgbClr val="000000"/>
                   </a:solidFill>
@@ -322,7 +323,7 @@
             </a:ln>
             <a:extLst>
               <a:ext uri="{91240B29-F687-4f45-9708-019B960494DF}">
-                <a14:hiddenLine xmlns:a14="http://schemas.microsoft.com/office/drawing/2010/main" xmlns="" w="9525">
+                <a14:hiddenLine xmlns="" xmlns:a14="http://schemas.microsoft.com/office/drawing/2010/main" w="9525">
                   <a:solidFill>
                     <a:srgbClr val="000000"/>
                   </a:solidFill>
@@ -412,7 +413,7 @@
             </a:ln>
             <a:extLst>
               <a:ext uri="{91240B29-F687-4f45-9708-019B960494DF}">
-                <a14:hiddenLine xmlns:a14="http://schemas.microsoft.com/office/drawing/2010/main" xmlns="" w="9525">
+                <a14:hiddenLine xmlns="" xmlns:a14="http://schemas.microsoft.com/office/drawing/2010/main" w="9525">
                   <a:solidFill>
                     <a:srgbClr val="000000"/>
                   </a:solidFill>
@@ -446,7 +447,7 @@
             </a:ln>
             <a:extLst>
               <a:ext uri="{91240B29-F687-4f45-9708-019B960494DF}">
-                <a14:hiddenLine xmlns:a14="http://schemas.microsoft.com/office/drawing/2010/main" xmlns="" w="9525">
+                <a14:hiddenLine xmlns="" xmlns:a14="http://schemas.microsoft.com/office/drawing/2010/main" w="9525">
                   <a:solidFill>
                     <a:srgbClr val="000000"/>
                   </a:solidFill>
@@ -536,7 +537,7 @@
             </a:ln>
             <a:extLst>
               <a:ext uri="{91240B29-F687-4f45-9708-019B960494DF}">
-                <a14:hiddenLine xmlns:a14="http://schemas.microsoft.com/office/drawing/2010/main" xmlns="" w="9525">
+                <a14:hiddenLine xmlns="" xmlns:a14="http://schemas.microsoft.com/office/drawing/2010/main" w="9525">
                   <a:solidFill>
                     <a:srgbClr val="000000"/>
                   </a:solidFill>
@@ -598,7 +599,7 @@
             </a:ln>
             <a:extLst>
               <a:ext uri="{91240B29-F687-4f45-9708-019B960494DF}">
-                <a14:hiddenLine xmlns:a14="http://schemas.microsoft.com/office/drawing/2010/main" xmlns="" w="9525">
+                <a14:hiddenLine xmlns="" xmlns:a14="http://schemas.microsoft.com/office/drawing/2010/main" w="9525">
                   <a:solidFill>
                     <a:srgbClr val="000000"/>
                   </a:solidFill>
@@ -660,7 +661,7 @@
             </a:ln>
             <a:extLst>
               <a:ext uri="{91240B29-F687-4f45-9708-019B960494DF}">
-                <a14:hiddenLine xmlns:a14="http://schemas.microsoft.com/office/drawing/2010/main" xmlns="" w="9525">
+                <a14:hiddenLine xmlns="" xmlns:a14="http://schemas.microsoft.com/office/drawing/2010/main" w="9525">
                   <a:solidFill>
                     <a:srgbClr val="000000"/>
                   </a:solidFill>
@@ -750,7 +751,7 @@
             </a:ln>
             <a:extLst>
               <a:ext uri="{91240B29-F687-4f45-9708-019B960494DF}">
-                <a14:hiddenLine xmlns:a14="http://schemas.microsoft.com/office/drawing/2010/main" xmlns="" w="9525">
+                <a14:hiddenLine xmlns="" xmlns:a14="http://schemas.microsoft.com/office/drawing/2010/main" w="9525">
                   <a:solidFill>
                     <a:srgbClr val="000000"/>
                   </a:solidFill>
@@ -812,7 +813,7 @@
             </a:ln>
             <a:extLst>
               <a:ext uri="{91240B29-F687-4f45-9708-019B960494DF}">
-                <a14:hiddenLine xmlns:a14="http://schemas.microsoft.com/office/drawing/2010/main" xmlns="" w="9525">
+                <a14:hiddenLine xmlns="" xmlns:a14="http://schemas.microsoft.com/office/drawing/2010/main" w="9525">
                   <a:solidFill>
                     <a:srgbClr val="000000"/>
                   </a:solidFill>
@@ -874,7 +875,7 @@
             </a:ln>
             <a:extLst>
               <a:ext uri="{91240B29-F687-4f45-9708-019B960494DF}">
-                <a14:hiddenLine xmlns:a14="http://schemas.microsoft.com/office/drawing/2010/main" xmlns="" w="9525">
+                <a14:hiddenLine xmlns="" xmlns:a14="http://schemas.microsoft.com/office/drawing/2010/main" w="9525">
                   <a:solidFill>
                     <a:srgbClr val="000000"/>
                   </a:solidFill>
@@ -964,7 +965,7 @@
             </a:ln>
             <a:extLst>
               <a:ext uri="{91240B29-F687-4f45-9708-019B960494DF}">
-                <a14:hiddenLine xmlns:a14="http://schemas.microsoft.com/office/drawing/2010/main" xmlns="" w="9525">
+                <a14:hiddenLine xmlns="" xmlns:a14="http://schemas.microsoft.com/office/drawing/2010/main" w="9525">
                   <a:solidFill>
                     <a:srgbClr val="000000"/>
                   </a:solidFill>
@@ -1054,7 +1055,7 @@
             </a:ln>
             <a:extLst>
               <a:ext uri="{91240B29-F687-4f45-9708-019B960494DF}">
-                <a14:hiddenLine xmlns:a14="http://schemas.microsoft.com/office/drawing/2010/main" xmlns="" w="9525">
+                <a14:hiddenLine xmlns="" xmlns:a14="http://schemas.microsoft.com/office/drawing/2010/main" w="9525">
                   <a:solidFill>
                     <a:srgbClr val="000000"/>
                   </a:solidFill>
@@ -1116,7 +1117,7 @@
             </a:ln>
             <a:extLst>
               <a:ext uri="{91240B29-F687-4f45-9708-019B960494DF}">
-                <a14:hiddenLine xmlns:a14="http://schemas.microsoft.com/office/drawing/2010/main" xmlns="" w="9525">
+                <a14:hiddenLine xmlns="" xmlns:a14="http://schemas.microsoft.com/office/drawing/2010/main" w="9525">
                   <a:solidFill>
                     <a:srgbClr val="000000"/>
                   </a:solidFill>
@@ -1226,7 +1227,7 @@
             </a:ln>
             <a:extLst>
               <a:ext uri="{91240B29-F687-4f45-9708-019B960494DF}">
-                <a14:hiddenLine xmlns:a14="http://schemas.microsoft.com/office/drawing/2010/main" xmlns="" w="9525">
+                <a14:hiddenLine xmlns="" xmlns:a14="http://schemas.microsoft.com/office/drawing/2010/main" w="9525">
                   <a:solidFill>
                     <a:srgbClr val="000000"/>
                   </a:solidFill>
@@ -1288,7 +1289,7 @@
             </a:ln>
             <a:extLst>
               <a:ext uri="{91240B29-F687-4f45-9708-019B960494DF}">
-                <a14:hiddenLine xmlns:a14="http://schemas.microsoft.com/office/drawing/2010/main" xmlns="" w="9525">
+                <a14:hiddenLine xmlns="" xmlns:a14="http://schemas.microsoft.com/office/drawing/2010/main" w="9525">
                   <a:solidFill>
                     <a:srgbClr val="000000"/>
                   </a:solidFill>
@@ -1378,7 +1379,7 @@
             </a:ln>
             <a:extLst>
               <a:ext uri="{91240B29-F687-4f45-9708-019B960494DF}">
-                <a14:hiddenLine xmlns:a14="http://schemas.microsoft.com/office/drawing/2010/main" xmlns="" w="9525">
+                <a14:hiddenLine xmlns="" xmlns:a14="http://schemas.microsoft.com/office/drawing/2010/main" w="9525">
                   <a:solidFill>
                     <a:srgbClr val="000000"/>
                   </a:solidFill>
@@ -1468,7 +1469,7 @@
             </a:ln>
             <a:extLst>
               <a:ext uri="{91240B29-F687-4f45-9708-019B960494DF}">
-                <a14:hiddenLine xmlns:a14="http://schemas.microsoft.com/office/drawing/2010/main" xmlns="" w="9525">
+                <a14:hiddenLine xmlns="" xmlns:a14="http://schemas.microsoft.com/office/drawing/2010/main" w="9525">
                   <a:solidFill>
                     <a:srgbClr val="000000"/>
                   </a:solidFill>
@@ -1530,7 +1531,7 @@
             </a:ln>
             <a:extLst>
               <a:ext uri="{91240B29-F687-4f45-9708-019B960494DF}">
-                <a14:hiddenLine xmlns:a14="http://schemas.microsoft.com/office/drawing/2010/main" xmlns="" w="9525">
+                <a14:hiddenLine xmlns="" xmlns:a14="http://schemas.microsoft.com/office/drawing/2010/main" w="9525">
                   <a:solidFill>
                     <a:srgbClr val="000000"/>
                   </a:solidFill>
@@ -1620,7 +1621,7 @@
             </a:ln>
             <a:extLst>
               <a:ext uri="{91240B29-F687-4f45-9708-019B960494DF}">
-                <a14:hiddenLine xmlns:a14="http://schemas.microsoft.com/office/drawing/2010/main" xmlns="" w="9525">
+                <a14:hiddenLine xmlns="" xmlns:a14="http://schemas.microsoft.com/office/drawing/2010/main" w="9525">
                   <a:solidFill>
                     <a:srgbClr val="000000"/>
                   </a:solidFill>
@@ -1710,7 +1711,7 @@
             </a:ln>
             <a:extLst>
               <a:ext uri="{91240B29-F687-4f45-9708-019B960494DF}">
-                <a14:hiddenLine xmlns:a14="http://schemas.microsoft.com/office/drawing/2010/main" xmlns="" w="9525">
+                <a14:hiddenLine xmlns="" xmlns:a14="http://schemas.microsoft.com/office/drawing/2010/main" w="9525">
                   <a:solidFill>
                     <a:srgbClr val="000000"/>
                   </a:solidFill>
@@ -1766,7 +1767,7 @@
             </a:ln>
             <a:extLst>
               <a:ext uri="{91240B29-F687-4f45-9708-019B960494DF}">
-                <a14:hiddenLine xmlns:a14="http://schemas.microsoft.com/office/drawing/2010/main" xmlns="" w="9525">
+                <a14:hiddenLine xmlns="" xmlns:a14="http://schemas.microsoft.com/office/drawing/2010/main" w="9525">
                   <a:solidFill>
                     <a:srgbClr val="000000"/>
                   </a:solidFill>
@@ -1856,7 +1857,7 @@
             </a:ln>
             <a:extLst>
               <a:ext uri="{91240B29-F687-4f45-9708-019B960494DF}">
-                <a14:hiddenLine xmlns:a14="http://schemas.microsoft.com/office/drawing/2010/main" xmlns="" w="9525">
+                <a14:hiddenLine xmlns="" xmlns:a14="http://schemas.microsoft.com/office/drawing/2010/main" w="9525">
                   <a:solidFill>
                     <a:srgbClr val="000000"/>
                   </a:solidFill>
@@ -1912,7 +1913,7 @@
             </a:ln>
             <a:extLst>
               <a:ext uri="{91240B29-F687-4f45-9708-019B960494DF}">
-                <a14:hiddenLine xmlns:a14="http://schemas.microsoft.com/office/drawing/2010/main" xmlns="" w="9525">
+                <a14:hiddenLine xmlns="" xmlns:a14="http://schemas.microsoft.com/office/drawing/2010/main" w="9525">
                   <a:solidFill>
                     <a:srgbClr val="000000"/>
                   </a:solidFill>
@@ -2002,7 +2003,7 @@
             </a:ln>
             <a:extLst>
               <a:ext uri="{91240B29-F687-4f45-9708-019B960494DF}">
-                <a14:hiddenLine xmlns:a14="http://schemas.microsoft.com/office/drawing/2010/main" xmlns="" w="9525">
+                <a14:hiddenLine xmlns="" xmlns:a14="http://schemas.microsoft.com/office/drawing/2010/main" w="9525">
                   <a:solidFill>
                     <a:srgbClr val="000000"/>
                   </a:solidFill>
@@ -2070,7 +2071,7 @@
             </a:ln>
             <a:extLst>
               <a:ext uri="{91240B29-F687-4f45-9708-019B960494DF}">
-                <a14:hiddenLine xmlns:a14="http://schemas.microsoft.com/office/drawing/2010/main" xmlns="" w="9525">
+                <a14:hiddenLine xmlns="" xmlns:a14="http://schemas.microsoft.com/office/drawing/2010/main" w="9525">
                   <a:solidFill>
                     <a:srgbClr val="000000"/>
                   </a:solidFill>
@@ -2160,7 +2161,7 @@
             </a:ln>
             <a:extLst>
               <a:ext uri="{91240B29-F687-4f45-9708-019B960494DF}">
-                <a14:hiddenLine xmlns:a14="http://schemas.microsoft.com/office/drawing/2010/main" xmlns="" w="9525">
+                <a14:hiddenLine xmlns="" xmlns:a14="http://schemas.microsoft.com/office/drawing/2010/main" w="9525">
                   <a:solidFill>
                     <a:srgbClr val="000000"/>
                   </a:solidFill>
@@ -2228,7 +2229,7 @@
             </a:ln>
             <a:extLst>
               <a:ext uri="{91240B29-F687-4f45-9708-019B960494DF}">
-                <a14:hiddenLine xmlns:a14="http://schemas.microsoft.com/office/drawing/2010/main" xmlns="" w="9525">
+                <a14:hiddenLine xmlns="" xmlns:a14="http://schemas.microsoft.com/office/drawing/2010/main" w="9525">
                   <a:solidFill>
                     <a:srgbClr val="000000"/>
                   </a:solidFill>
@@ -2318,7 +2319,7 @@
             </a:ln>
             <a:extLst>
               <a:ext uri="{91240B29-F687-4f45-9708-019B960494DF}">
-                <a14:hiddenLine xmlns:a14="http://schemas.microsoft.com/office/drawing/2010/main" xmlns="" w="9525">
+                <a14:hiddenLine xmlns="" xmlns:a14="http://schemas.microsoft.com/office/drawing/2010/main" w="9525">
                   <a:solidFill>
                     <a:srgbClr val="000000"/>
                   </a:solidFill>
@@ -2352,7 +2353,7 @@
             </a:ln>
             <a:extLst>
               <a:ext uri="{91240B29-F687-4f45-9708-019B960494DF}">
-                <a14:hiddenLine xmlns:a14="http://schemas.microsoft.com/office/drawing/2010/main" xmlns="" w="9525">
+                <a14:hiddenLine xmlns="" xmlns:a14="http://schemas.microsoft.com/office/drawing/2010/main" w="9525">
                   <a:solidFill>
                     <a:srgbClr val="000000"/>
                   </a:solidFill>
@@ -2442,7 +2443,7 @@
             </a:ln>
             <a:extLst>
               <a:ext uri="{91240B29-F687-4f45-9708-019B960494DF}">
-                <a14:hiddenLine xmlns:a14="http://schemas.microsoft.com/office/drawing/2010/main" xmlns="" w="9525">
+                <a14:hiddenLine xmlns="" xmlns:a14="http://schemas.microsoft.com/office/drawing/2010/main" w="9525">
                   <a:solidFill>
                     <a:srgbClr val="000000"/>
                   </a:solidFill>
@@ -2504,7 +2505,7 @@
             </a:ln>
             <a:extLst>
               <a:ext uri="{91240B29-F687-4f45-9708-019B960494DF}">
-                <a14:hiddenLine xmlns:a14="http://schemas.microsoft.com/office/drawing/2010/main" xmlns="" w="9525">
+                <a14:hiddenLine xmlns="" xmlns:a14="http://schemas.microsoft.com/office/drawing/2010/main" w="9525">
                   <a:solidFill>
                     <a:srgbClr val="000000"/>
                   </a:solidFill>
@@ -2566,7 +2567,7 @@
             </a:ln>
             <a:extLst>
               <a:ext uri="{91240B29-F687-4f45-9708-019B960494DF}">
-                <a14:hiddenLine xmlns:a14="http://schemas.microsoft.com/office/drawing/2010/main" xmlns="" w="9525">
+                <a14:hiddenLine xmlns="" xmlns:a14="http://schemas.microsoft.com/office/drawing/2010/main" w="9525">
                   <a:solidFill>
                     <a:srgbClr val="000000"/>
                   </a:solidFill>
@@ -2656,7 +2657,7 @@
             </a:ln>
             <a:extLst>
               <a:ext uri="{91240B29-F687-4f45-9708-019B960494DF}">
-                <a14:hiddenLine xmlns:a14="http://schemas.microsoft.com/office/drawing/2010/main" xmlns="" w="9525">
+                <a14:hiddenLine xmlns="" xmlns:a14="http://schemas.microsoft.com/office/drawing/2010/main" w="9525">
                   <a:solidFill>
                     <a:srgbClr val="000000"/>
                   </a:solidFill>
@@ -2724,7 +2725,7 @@
             </a:ln>
             <a:extLst>
               <a:ext uri="{91240B29-F687-4f45-9708-019B960494DF}">
-                <a14:hiddenLine xmlns:a14="http://schemas.microsoft.com/office/drawing/2010/main" xmlns="" w="9525">
+                <a14:hiddenLine xmlns="" xmlns:a14="http://schemas.microsoft.com/office/drawing/2010/main" w="9525">
                   <a:solidFill>
                     <a:srgbClr val="000000"/>
                   </a:solidFill>
@@ -2786,7 +2787,7 @@
             </a:ln>
             <a:extLst>
               <a:ext uri="{91240B29-F687-4f45-9708-019B960494DF}">
-                <a14:hiddenLine xmlns:a14="http://schemas.microsoft.com/office/drawing/2010/main" xmlns="" w="9525">
+                <a14:hiddenLine xmlns="" xmlns:a14="http://schemas.microsoft.com/office/drawing/2010/main" w="9525">
                   <a:solidFill>
                     <a:srgbClr val="000000"/>
                   </a:solidFill>
@@ -2876,7 +2877,7 @@
             </a:ln>
             <a:extLst>
               <a:ext uri="{91240B29-F687-4f45-9708-019B960494DF}">
-                <a14:hiddenLine xmlns:a14="http://schemas.microsoft.com/office/drawing/2010/main" xmlns="" w="9525">
+                <a14:hiddenLine xmlns="" xmlns:a14="http://schemas.microsoft.com/office/drawing/2010/main" w="9525">
                   <a:solidFill>
                     <a:srgbClr val="000000"/>
                   </a:solidFill>
@@ -2938,7 +2939,7 @@
             </a:ln>
             <a:extLst>
               <a:ext uri="{91240B29-F687-4f45-9708-019B960494DF}">
-                <a14:hiddenLine xmlns:a14="http://schemas.microsoft.com/office/drawing/2010/main" xmlns="" w="9525">
+                <a14:hiddenLine xmlns="" xmlns:a14="http://schemas.microsoft.com/office/drawing/2010/main" w="9525">
                   <a:solidFill>
                     <a:srgbClr val="000000"/>
                   </a:solidFill>
@@ -3028,7 +3029,7 @@
             </a:ln>
             <a:extLst>
               <a:ext uri="{91240B29-F687-4f45-9708-019B960494DF}">
-                <a14:hiddenLine xmlns:a14="http://schemas.microsoft.com/office/drawing/2010/main" xmlns="" w="9525">
+                <a14:hiddenLine xmlns="" xmlns:a14="http://schemas.microsoft.com/office/drawing/2010/main" w="9525">
                   <a:solidFill>
                     <a:srgbClr val="000000"/>
                   </a:solidFill>
@@ -3090,7 +3091,7 @@
             </a:ln>
             <a:extLst>
               <a:ext uri="{91240B29-F687-4f45-9708-019B960494DF}">
-                <a14:hiddenLine xmlns:a14="http://schemas.microsoft.com/office/drawing/2010/main" xmlns="" w="9525">
+                <a14:hiddenLine xmlns="" xmlns:a14="http://schemas.microsoft.com/office/drawing/2010/main" w="9525">
                   <a:solidFill>
                     <a:srgbClr val="000000"/>
                   </a:solidFill>
@@ -3180,7 +3181,7 @@
             </a:ln>
             <a:extLst>
               <a:ext uri="{91240B29-F687-4f45-9708-019B960494DF}">
-                <a14:hiddenLine xmlns:a14="http://schemas.microsoft.com/office/drawing/2010/main" xmlns="" w="9525">
+                <a14:hiddenLine xmlns="" xmlns:a14="http://schemas.microsoft.com/office/drawing/2010/main" w="9525">
                   <a:solidFill>
                     <a:srgbClr val="000000"/>
                   </a:solidFill>
@@ -3214,7 +3215,7 @@
             </a:ln>
             <a:extLst>
               <a:ext uri="{91240B29-F687-4f45-9708-019B960494DF}">
-                <a14:hiddenLine xmlns:a14="http://schemas.microsoft.com/office/drawing/2010/main" xmlns="" w="9525">
+                <a14:hiddenLine xmlns="" xmlns:a14="http://schemas.microsoft.com/office/drawing/2010/main" w="9525">
                   <a:solidFill>
                     <a:srgbClr val="000000"/>
                   </a:solidFill>
@@ -3279,7 +3280,7 @@
             </a:ln>
             <a:extLst>
               <a:ext uri="{91240B29-F687-4f45-9708-019B960494DF}">
-                <a14:hiddenLine xmlns:a14="http://schemas.microsoft.com/office/drawing/2010/main" xmlns="" w="9525">
+                <a14:hiddenLine xmlns="" xmlns:a14="http://schemas.microsoft.com/office/drawing/2010/main" w="9525">
                   <a:solidFill>
                     <a:srgbClr val="000000"/>
                   </a:solidFill>
@@ -3369,7 +3370,7 @@
             </a:ln>
             <a:extLst>
               <a:ext uri="{91240B29-F687-4f45-9708-019B960494DF}">
-                <a14:hiddenLine xmlns:a14="http://schemas.microsoft.com/office/drawing/2010/main" xmlns="" w="9525">
+                <a14:hiddenLine xmlns="" xmlns:a14="http://schemas.microsoft.com/office/drawing/2010/main" w="9525">
                   <a:solidFill>
                     <a:srgbClr val="000000"/>
                   </a:solidFill>
@@ -3431,7 +3432,7 @@
             </a:ln>
             <a:extLst>
               <a:ext uri="{91240B29-F687-4f45-9708-019B960494DF}">
-                <a14:hiddenLine xmlns:a14="http://schemas.microsoft.com/office/drawing/2010/main" xmlns="" w="9525">
+                <a14:hiddenLine xmlns="" xmlns:a14="http://schemas.microsoft.com/office/drawing/2010/main" w="9525">
                   <a:solidFill>
                     <a:srgbClr val="000000"/>
                   </a:solidFill>
@@ -3521,7 +3522,7 @@
             </a:ln>
             <a:extLst>
               <a:ext uri="{91240B29-F687-4f45-9708-019B960494DF}">
-                <a14:hiddenLine xmlns:a14="http://schemas.microsoft.com/office/drawing/2010/main" xmlns="" w="9525">
+                <a14:hiddenLine xmlns="" xmlns:a14="http://schemas.microsoft.com/office/drawing/2010/main" w="9525">
                   <a:solidFill>
                     <a:srgbClr val="000000"/>
                   </a:solidFill>
@@ -3611,7 +3612,7 @@
             </a:ln>
             <a:extLst>
               <a:ext uri="{91240B29-F687-4f45-9708-019B960494DF}">
-                <a14:hiddenLine xmlns:a14="http://schemas.microsoft.com/office/drawing/2010/main" xmlns="" w="9525">
+                <a14:hiddenLine xmlns="" xmlns:a14="http://schemas.microsoft.com/office/drawing/2010/main" w="9525">
                   <a:solidFill>
                     <a:srgbClr val="000000"/>
                   </a:solidFill>
@@ -3676,7 +3677,7 @@
             </a:ln>
             <a:extLst>
               <a:ext uri="{91240B29-F687-4f45-9708-019B960494DF}">
-                <a14:hiddenLine xmlns:a14="http://schemas.microsoft.com/office/drawing/2010/main" xmlns="" w="9525">
+                <a14:hiddenLine xmlns="" xmlns:a14="http://schemas.microsoft.com/office/drawing/2010/main" w="9525">
                   <a:solidFill>
                     <a:srgbClr val="000000"/>
                   </a:solidFill>
@@ -3738,7 +3739,7 @@
             </a:ln>
             <a:extLst>
               <a:ext uri="{91240B29-F687-4f45-9708-019B960494DF}">
-                <a14:hiddenLine xmlns:a14="http://schemas.microsoft.com/office/drawing/2010/main" xmlns="" w="9525">
+                <a14:hiddenLine xmlns="" xmlns:a14="http://schemas.microsoft.com/office/drawing/2010/main" w="9525">
                   <a:solidFill>
                     <a:srgbClr val="000000"/>
                   </a:solidFill>
@@ -3828,7 +3829,7 @@
             </a:ln>
             <a:extLst>
               <a:ext uri="{91240B29-F687-4f45-9708-019B960494DF}">
-                <a14:hiddenLine xmlns:a14="http://schemas.microsoft.com/office/drawing/2010/main" xmlns="" w="9525">
+                <a14:hiddenLine xmlns="" xmlns:a14="http://schemas.microsoft.com/office/drawing/2010/main" w="9525">
                   <a:solidFill>
                     <a:srgbClr val="000000"/>
                   </a:solidFill>
@@ -3918,7 +3919,7 @@
             </a:ln>
             <a:extLst>
               <a:ext uri="{91240B29-F687-4f45-9708-019B960494DF}">
-                <a14:hiddenLine xmlns:a14="http://schemas.microsoft.com/office/drawing/2010/main" xmlns="" w="9525">
+                <a14:hiddenLine xmlns="" xmlns:a14="http://schemas.microsoft.com/office/drawing/2010/main" w="9525">
                   <a:solidFill>
                     <a:srgbClr val="000000"/>
                   </a:solidFill>
@@ -3980,7 +3981,7 @@
             </a:ln>
             <a:extLst>
               <a:ext uri="{91240B29-F687-4f45-9708-019B960494DF}">
-                <a14:hiddenLine xmlns:a14="http://schemas.microsoft.com/office/drawing/2010/main" xmlns="" w="9525">
+                <a14:hiddenLine xmlns="" xmlns:a14="http://schemas.microsoft.com/office/drawing/2010/main" w="9525">
                   <a:solidFill>
                     <a:srgbClr val="000000"/>
                   </a:solidFill>
@@ -4100,7 +4101,7 @@
             </a:ln>
             <a:extLst>
               <a:ext uri="{91240B29-F687-4f45-9708-019B960494DF}">
-                <a14:hiddenLine xmlns:a14="http://schemas.microsoft.com/office/drawing/2010/main" xmlns="" w="9525">
+                <a14:hiddenLine xmlns="" xmlns:a14="http://schemas.microsoft.com/office/drawing/2010/main" w="9525">
                   <a:solidFill>
                     <a:srgbClr val="000000"/>
                   </a:solidFill>
@@ -4168,7 +4169,7 @@
             </a:ln>
             <a:extLst>
               <a:ext uri="{91240B29-F687-4f45-9708-019B960494DF}">
-                <a14:hiddenLine xmlns:a14="http://schemas.microsoft.com/office/drawing/2010/main" xmlns="" w="9525">
+                <a14:hiddenLine xmlns="" xmlns:a14="http://schemas.microsoft.com/office/drawing/2010/main" w="9525">
                   <a:solidFill>
                     <a:srgbClr val="000000"/>
                   </a:solidFill>
@@ -4258,7 +4259,7 @@
             </a:ln>
             <a:extLst>
               <a:ext uri="{91240B29-F687-4f45-9708-019B960494DF}">
-                <a14:hiddenLine xmlns:a14="http://schemas.microsoft.com/office/drawing/2010/main" xmlns="" w="9525">
+                <a14:hiddenLine xmlns="" xmlns:a14="http://schemas.microsoft.com/office/drawing/2010/main" w="9525">
                   <a:solidFill>
                     <a:srgbClr val="000000"/>
                   </a:solidFill>
@@ -9065,7 +9066,7 @@
           <a:noFill/>
           <a:extLst>
             <a:ext uri="{909E8E84-426E-40dd-AFC4-6F175D3DCCD1}">
-              <a14:hiddenFill xmlns:a14="http://schemas.microsoft.com/office/drawing/2010/main" xmlns="">
+              <a14:hiddenFill xmlns="" xmlns:a14="http://schemas.microsoft.com/office/drawing/2010/main">
                 <a:solidFill>
                   <a:srgbClr val="FFFFFF"/>
                 </a:solidFill>
@@ -9139,7 +9140,7 @@
               </a:ln>
               <a:extLst>
                 <a:ext uri="{91240B29-F687-4f45-9708-019B960494DF}">
-                  <a14:hiddenLine xmlns:a14="http://schemas.microsoft.com/office/drawing/2010/main" xmlns="" w="9525">
+                  <a14:hiddenLine xmlns="" xmlns:a14="http://schemas.microsoft.com/office/drawing/2010/main" w="9525">
                     <a:solidFill>
                       <a:srgbClr val="000000"/>
                     </a:solidFill>
@@ -9229,7 +9230,7 @@
               </a:ln>
               <a:extLst>
                 <a:ext uri="{91240B29-F687-4f45-9708-019B960494DF}">
-                  <a14:hiddenLine xmlns:a14="http://schemas.microsoft.com/office/drawing/2010/main" xmlns="" w="9525">
+                  <a14:hiddenLine xmlns="" xmlns:a14="http://schemas.microsoft.com/office/drawing/2010/main" w="9525">
                     <a:solidFill>
                       <a:srgbClr val="000000"/>
                     </a:solidFill>
@@ -9319,7 +9320,7 @@
               </a:ln>
               <a:extLst>
                 <a:ext uri="{91240B29-F687-4f45-9708-019B960494DF}">
-                  <a14:hiddenLine xmlns:a14="http://schemas.microsoft.com/office/drawing/2010/main" xmlns="" w="9525">
+                  <a14:hiddenLine xmlns="" xmlns:a14="http://schemas.microsoft.com/office/drawing/2010/main" w="9525">
                     <a:solidFill>
                       <a:srgbClr val="000000"/>
                     </a:solidFill>
@@ -9381,7 +9382,7 @@
               </a:ln>
               <a:extLst>
                 <a:ext uri="{91240B29-F687-4f45-9708-019B960494DF}">
-                  <a14:hiddenLine xmlns:a14="http://schemas.microsoft.com/office/drawing/2010/main" xmlns="" w="9525">
+                  <a14:hiddenLine xmlns="" xmlns:a14="http://schemas.microsoft.com/office/drawing/2010/main" w="9525">
                     <a:solidFill>
                       <a:srgbClr val="000000"/>
                     </a:solidFill>
@@ -9471,7 +9472,7 @@
               </a:ln>
               <a:extLst>
                 <a:ext uri="{91240B29-F687-4f45-9708-019B960494DF}">
-                  <a14:hiddenLine xmlns:a14="http://schemas.microsoft.com/office/drawing/2010/main" xmlns="" w="9525">
+                  <a14:hiddenLine xmlns="" xmlns:a14="http://schemas.microsoft.com/office/drawing/2010/main" w="9525">
                     <a:solidFill>
                       <a:srgbClr val="000000"/>
                     </a:solidFill>
@@ -9533,7 +9534,7 @@
               </a:ln>
               <a:extLst>
                 <a:ext uri="{91240B29-F687-4f45-9708-019B960494DF}">
-                  <a14:hiddenLine xmlns:a14="http://schemas.microsoft.com/office/drawing/2010/main" xmlns="" w="9525">
+                  <a14:hiddenLine xmlns="" xmlns:a14="http://schemas.microsoft.com/office/drawing/2010/main" w="9525">
                     <a:solidFill>
                       <a:srgbClr val="000000"/>
                     </a:solidFill>
@@ -9595,7 +9596,7 @@
               </a:ln>
               <a:extLst>
                 <a:ext uri="{91240B29-F687-4f45-9708-019B960494DF}">
-                  <a14:hiddenLine xmlns:a14="http://schemas.microsoft.com/office/drawing/2010/main" xmlns="" w="9525">
+                  <a14:hiddenLine xmlns="" xmlns:a14="http://schemas.microsoft.com/office/drawing/2010/main" w="9525">
                     <a:solidFill>
                       <a:srgbClr val="000000"/>
                     </a:solidFill>
@@ -9685,7 +9686,7 @@
               </a:ln>
               <a:extLst>
                 <a:ext uri="{91240B29-F687-4f45-9708-019B960494DF}">
-                  <a14:hiddenLine xmlns:a14="http://schemas.microsoft.com/office/drawing/2010/main" xmlns="" w="9525">
+                  <a14:hiddenLine xmlns="" xmlns:a14="http://schemas.microsoft.com/office/drawing/2010/main" w="9525">
                     <a:solidFill>
                       <a:srgbClr val="000000"/>
                     </a:solidFill>
@@ -9775,7 +9776,7 @@
               </a:ln>
               <a:extLst>
                 <a:ext uri="{91240B29-F687-4f45-9708-019B960494DF}">
-                  <a14:hiddenLine xmlns:a14="http://schemas.microsoft.com/office/drawing/2010/main" xmlns="" w="9525">
+                  <a14:hiddenLine xmlns="" xmlns:a14="http://schemas.microsoft.com/office/drawing/2010/main" w="9525">
                     <a:solidFill>
                       <a:srgbClr val="000000"/>
                     </a:solidFill>
@@ -9837,7 +9838,7 @@
               </a:ln>
               <a:extLst>
                 <a:ext uri="{91240B29-F687-4f45-9708-019B960494DF}">
-                  <a14:hiddenLine xmlns:a14="http://schemas.microsoft.com/office/drawing/2010/main" xmlns="" w="9525">
+                  <a14:hiddenLine xmlns="" xmlns:a14="http://schemas.microsoft.com/office/drawing/2010/main" w="9525">
                     <a:solidFill>
                       <a:srgbClr val="000000"/>
                     </a:solidFill>
@@ -9947,7 +9948,7 @@
               </a:ln>
               <a:extLst>
                 <a:ext uri="{91240B29-F687-4f45-9708-019B960494DF}">
-                  <a14:hiddenLine xmlns:a14="http://schemas.microsoft.com/office/drawing/2010/main" xmlns="" w="9525">
+                  <a14:hiddenLine xmlns="" xmlns:a14="http://schemas.microsoft.com/office/drawing/2010/main" w="9525">
                     <a:solidFill>
                       <a:srgbClr val="000000"/>
                     </a:solidFill>
@@ -10031,7 +10032,7 @@
               </a:ln>
               <a:extLst>
                 <a:ext uri="{91240B29-F687-4f45-9708-019B960494DF}">
-                  <a14:hiddenLine xmlns:a14="http://schemas.microsoft.com/office/drawing/2010/main" xmlns="" w="9525">
+                  <a14:hiddenLine xmlns="" xmlns:a14="http://schemas.microsoft.com/office/drawing/2010/main" w="9525">
                     <a:solidFill>
                       <a:srgbClr val="000000"/>
                     </a:solidFill>
@@ -10093,7 +10094,7 @@
               </a:ln>
               <a:extLst>
                 <a:ext uri="{91240B29-F687-4f45-9708-019B960494DF}">
-                  <a14:hiddenLine xmlns:a14="http://schemas.microsoft.com/office/drawing/2010/main" xmlns="" w="9525">
+                  <a14:hiddenLine xmlns="" xmlns:a14="http://schemas.microsoft.com/office/drawing/2010/main" w="9525">
                     <a:solidFill>
                       <a:srgbClr val="000000"/>
                     </a:solidFill>
@@ -10155,7 +10156,7 @@
               </a:ln>
               <a:extLst>
                 <a:ext uri="{91240B29-F687-4f45-9708-019B960494DF}">
-                  <a14:hiddenLine xmlns:a14="http://schemas.microsoft.com/office/drawing/2010/main" xmlns="" w="9525">
+                  <a14:hiddenLine xmlns="" xmlns:a14="http://schemas.microsoft.com/office/drawing/2010/main" w="9525">
                     <a:solidFill>
                       <a:srgbClr val="000000"/>
                     </a:solidFill>
@@ -10245,7 +10246,7 @@
               </a:ln>
               <a:extLst>
                 <a:ext uri="{91240B29-F687-4f45-9708-019B960494DF}">
-                  <a14:hiddenLine xmlns:a14="http://schemas.microsoft.com/office/drawing/2010/main" xmlns="" w="9525">
+                  <a14:hiddenLine xmlns="" xmlns:a14="http://schemas.microsoft.com/office/drawing/2010/main" w="9525">
                     <a:solidFill>
                       <a:srgbClr val="000000"/>
                     </a:solidFill>
@@ -10279,7 +10280,7 @@
               </a:ln>
               <a:extLst>
                 <a:ext uri="{91240B29-F687-4f45-9708-019B960494DF}">
-                  <a14:hiddenLine xmlns:a14="http://schemas.microsoft.com/office/drawing/2010/main" xmlns="" w="9525">
+                  <a14:hiddenLine xmlns="" xmlns:a14="http://schemas.microsoft.com/office/drawing/2010/main" w="9525">
                     <a:solidFill>
                       <a:srgbClr val="000000"/>
                     </a:solidFill>
@@ -10344,7 +10345,7 @@
               </a:ln>
               <a:extLst>
                 <a:ext uri="{91240B29-F687-4f45-9708-019B960494DF}">
-                  <a14:hiddenLine xmlns:a14="http://schemas.microsoft.com/office/drawing/2010/main" xmlns="" w="9525">
+                  <a14:hiddenLine xmlns="" xmlns:a14="http://schemas.microsoft.com/office/drawing/2010/main" w="9525">
                     <a:solidFill>
                       <a:srgbClr val="000000"/>
                     </a:solidFill>
@@ -10434,7 +10435,7 @@
               </a:ln>
               <a:extLst>
                 <a:ext uri="{91240B29-F687-4f45-9708-019B960494DF}">
-                  <a14:hiddenLine xmlns:a14="http://schemas.microsoft.com/office/drawing/2010/main" xmlns="" w="9525">
+                  <a14:hiddenLine xmlns="" xmlns:a14="http://schemas.microsoft.com/office/drawing/2010/main" w="9525">
                     <a:solidFill>
                       <a:srgbClr val="000000"/>
                     </a:solidFill>
@@ -10496,7 +10497,7 @@
               </a:ln>
               <a:extLst>
                 <a:ext uri="{91240B29-F687-4f45-9708-019B960494DF}">
-                  <a14:hiddenLine xmlns:a14="http://schemas.microsoft.com/office/drawing/2010/main" xmlns="" w="9525">
+                  <a14:hiddenLine xmlns="" xmlns:a14="http://schemas.microsoft.com/office/drawing/2010/main" w="9525">
                     <a:solidFill>
                       <a:srgbClr val="000000"/>
                     </a:solidFill>
@@ -10586,7 +10587,7 @@
               </a:ln>
               <a:extLst>
                 <a:ext uri="{91240B29-F687-4f45-9708-019B960494DF}">
-                  <a14:hiddenLine xmlns:a14="http://schemas.microsoft.com/office/drawing/2010/main" xmlns="" w="9525">
+                  <a14:hiddenLine xmlns="" xmlns:a14="http://schemas.microsoft.com/office/drawing/2010/main" w="9525">
                     <a:solidFill>
                       <a:srgbClr val="000000"/>
                     </a:solidFill>
@@ -10651,7 +10652,7 @@
               </a:ln>
               <a:extLst>
                 <a:ext uri="{91240B29-F687-4f45-9708-019B960494DF}">
-                  <a14:hiddenLine xmlns:a14="http://schemas.microsoft.com/office/drawing/2010/main" xmlns="" w="9525">
+                  <a14:hiddenLine xmlns="" xmlns:a14="http://schemas.microsoft.com/office/drawing/2010/main" w="9525">
                     <a:solidFill>
                       <a:srgbClr val="000000"/>
                     </a:solidFill>
@@ -10713,7 +10714,7 @@
               </a:ln>
               <a:extLst>
                 <a:ext uri="{91240B29-F687-4f45-9708-019B960494DF}">
-                  <a14:hiddenLine xmlns:a14="http://schemas.microsoft.com/office/drawing/2010/main" xmlns="" w="9525">
+                  <a14:hiddenLine xmlns="" xmlns:a14="http://schemas.microsoft.com/office/drawing/2010/main" w="9525">
                     <a:solidFill>
                       <a:srgbClr val="000000"/>
                     </a:solidFill>
@@ -10803,7 +10804,7 @@
               </a:ln>
               <a:extLst>
                 <a:ext uri="{91240B29-F687-4f45-9708-019B960494DF}">
-                  <a14:hiddenLine xmlns:a14="http://schemas.microsoft.com/office/drawing/2010/main" xmlns="" w="9525">
+                  <a14:hiddenLine xmlns="" xmlns:a14="http://schemas.microsoft.com/office/drawing/2010/main" w="9525">
                     <a:solidFill>
                       <a:srgbClr val="000000"/>
                     </a:solidFill>
@@ -10893,7 +10894,7 @@
               </a:ln>
               <a:extLst>
                 <a:ext uri="{91240B29-F687-4f45-9708-019B960494DF}">
-                  <a14:hiddenLine xmlns:a14="http://schemas.microsoft.com/office/drawing/2010/main" xmlns="" w="9525">
+                  <a14:hiddenLine xmlns="" xmlns:a14="http://schemas.microsoft.com/office/drawing/2010/main" w="9525">
                     <a:solidFill>
                       <a:srgbClr val="000000"/>
                     </a:solidFill>
@@ -10958,7 +10959,7 @@
               </a:ln>
               <a:extLst>
                 <a:ext uri="{91240B29-F687-4f45-9708-019B960494DF}">
-                  <a14:hiddenLine xmlns:a14="http://schemas.microsoft.com/office/drawing/2010/main" xmlns="" w="9525">
+                  <a14:hiddenLine xmlns="" xmlns:a14="http://schemas.microsoft.com/office/drawing/2010/main" w="9525">
                     <a:solidFill>
                       <a:srgbClr val="000000"/>
                     </a:solidFill>
@@ -11078,7 +11079,7 @@
               </a:ln>
               <a:extLst>
                 <a:ext uri="{91240B29-F687-4f45-9708-019B960494DF}">
-                  <a14:hiddenLine xmlns:a14="http://schemas.microsoft.com/office/drawing/2010/main" xmlns="" w="9525">
+                  <a14:hiddenLine xmlns="" xmlns:a14="http://schemas.microsoft.com/office/drawing/2010/main" w="9525">
                     <a:solidFill>
                       <a:srgbClr val="000000"/>
                     </a:solidFill>
@@ -11176,7 +11177,7 @@
               </a:ln>
               <a:extLst>
                 <a:ext uri="{91240B29-F687-4f45-9708-019B960494DF}">
-                  <a14:hiddenLine xmlns:a14="http://schemas.microsoft.com/office/drawing/2010/main" xmlns="" w="9525">
+                  <a14:hiddenLine xmlns="" xmlns:a14="http://schemas.microsoft.com/office/drawing/2010/main" w="9525">
                     <a:solidFill>
                       <a:srgbClr val="000000"/>
                     </a:solidFill>
@@ -11291,7 +11292,7 @@
               </a:ln>
               <a:extLst>
                 <a:ext uri="{91240B29-F687-4f45-9708-019B960494DF}">
-                  <a14:hiddenLine xmlns:a14="http://schemas.microsoft.com/office/drawing/2010/main" xmlns="" w="9525">
+                  <a14:hiddenLine xmlns="" xmlns:a14="http://schemas.microsoft.com/office/drawing/2010/main" w="9525">
                     <a:solidFill>
                       <a:srgbClr val="000000"/>
                     </a:solidFill>
@@ -11381,7 +11382,7 @@
               </a:ln>
               <a:extLst>
                 <a:ext uri="{91240B29-F687-4f45-9708-019B960494DF}">
-                  <a14:hiddenLine xmlns:a14="http://schemas.microsoft.com/office/drawing/2010/main" xmlns="" w="9525">
+                  <a14:hiddenLine xmlns="" xmlns:a14="http://schemas.microsoft.com/office/drawing/2010/main" w="9525">
                     <a:solidFill>
                       <a:srgbClr val="000000"/>
                     </a:solidFill>
@@ -11446,7 +11447,7 @@
               </a:ln>
               <a:extLst>
                 <a:ext uri="{91240B29-F687-4f45-9708-019B960494DF}">
-                  <a14:hiddenLine xmlns:a14="http://schemas.microsoft.com/office/drawing/2010/main" xmlns="" w="9525">
+                  <a14:hiddenLine xmlns="" xmlns:a14="http://schemas.microsoft.com/office/drawing/2010/main" w="9525">
                     <a:solidFill>
                       <a:srgbClr val="000000"/>
                     </a:solidFill>
@@ -11536,7 +11537,7 @@
               </a:ln>
               <a:extLst>
                 <a:ext uri="{91240B29-F687-4f45-9708-019B960494DF}">
-                  <a14:hiddenLine xmlns:a14="http://schemas.microsoft.com/office/drawing/2010/main" xmlns="" w="9525">
+                  <a14:hiddenLine xmlns="" xmlns:a14="http://schemas.microsoft.com/office/drawing/2010/main" w="9525">
                     <a:solidFill>
                       <a:srgbClr val="000000"/>
                     </a:solidFill>
@@ -11604,7 +11605,7 @@
               </a:ln>
               <a:extLst>
                 <a:ext uri="{91240B29-F687-4f45-9708-019B960494DF}">
-                  <a14:hiddenLine xmlns:a14="http://schemas.microsoft.com/office/drawing/2010/main" xmlns="" w="9525">
+                  <a14:hiddenLine xmlns="" xmlns:a14="http://schemas.microsoft.com/office/drawing/2010/main" w="9525">
                     <a:solidFill>
                       <a:srgbClr val="000000"/>
                     </a:solidFill>
@@ -11694,7 +11695,7 @@
               </a:ln>
               <a:extLst>
                 <a:ext uri="{91240B29-F687-4f45-9708-019B960494DF}">
-                  <a14:hiddenLine xmlns:a14="http://schemas.microsoft.com/office/drawing/2010/main" xmlns="" w="9525">
+                  <a14:hiddenLine xmlns="" xmlns:a14="http://schemas.microsoft.com/office/drawing/2010/main" w="9525">
                     <a:solidFill>
                       <a:srgbClr val="000000"/>
                     </a:solidFill>
@@ -11762,7 +11763,7 @@
               </a:ln>
               <a:extLst>
                 <a:ext uri="{91240B29-F687-4f45-9708-019B960494DF}">
-                  <a14:hiddenLine xmlns:a14="http://schemas.microsoft.com/office/drawing/2010/main" xmlns="" w="9525">
+                  <a14:hiddenLine xmlns="" xmlns:a14="http://schemas.microsoft.com/office/drawing/2010/main" w="9525">
                     <a:solidFill>
                       <a:srgbClr val="000000"/>
                     </a:solidFill>
@@ -11852,7 +11853,7 @@
               </a:ln>
               <a:extLst>
                 <a:ext uri="{91240B29-F687-4f45-9708-019B960494DF}">
-                  <a14:hiddenLine xmlns:a14="http://schemas.microsoft.com/office/drawing/2010/main" xmlns="" w="9525">
+                  <a14:hiddenLine xmlns="" xmlns:a14="http://schemas.microsoft.com/office/drawing/2010/main" w="9525">
                     <a:solidFill>
                       <a:srgbClr val="000000"/>
                     </a:solidFill>
@@ -11886,7 +11887,7 @@
               </a:ln>
               <a:extLst>
                 <a:ext uri="{91240B29-F687-4f45-9708-019B960494DF}">
-                  <a14:hiddenLine xmlns:a14="http://schemas.microsoft.com/office/drawing/2010/main" xmlns="" w="9525">
+                  <a14:hiddenLine xmlns="" xmlns:a14="http://schemas.microsoft.com/office/drawing/2010/main" w="9525">
                     <a:solidFill>
                       <a:srgbClr val="000000"/>
                     </a:solidFill>
@@ -12520,13 +12521,13 @@
   <p:clrMapOvr>
     <a:masterClrMapping/>
   </p:clrMapOvr>
-  <mc:AlternateContent xmlns:mc="http://schemas.openxmlformats.org/markup-compatibility/2006">
-    <mc:Choice xmlns:p159="http://schemas.microsoft.com/office/powerpoint/2015/09/main" Requires="p159">
+  <mc:AlternateContent xmlns:mc="http://schemas.openxmlformats.org/markup-compatibility/2006" xmlns:p159="http://schemas.microsoft.com/office/powerpoint/2015/09/main">
+    <mc:Choice Requires="p159">
       <p:transition xmlns:p14="http://schemas.microsoft.com/office/powerpoint/2010/main" spd="slow" p14:dur="2000">
         <p159:morph option="byObject"/>
       </p:transition>
     </mc:Choice>
-    <mc:Fallback>
+    <mc:Fallback xmlns="">
       <p:transition spd="slow">
         <p:fade/>
       </p:transition>
@@ -12536,6 +12537,207 @@
 </file>
 
 <file path=ppt/slides/slide10.xml><?xml version="1.0" encoding="utf-8"?>
+<p:sld xmlns:a="http://schemas.openxmlformats.org/drawingml/2006/main" xmlns:r="http://schemas.openxmlformats.org/officeDocument/2006/relationships" xmlns:p="http://schemas.openxmlformats.org/presentationml/2006/main">
+  <p:cSld>
+    <p:spTree>
+      <p:nvGrpSpPr>
+        <p:cNvPr id="1" name=""/>
+        <p:cNvGrpSpPr/>
+        <p:nvPr/>
+      </p:nvGrpSpPr>
+      <p:grpSpPr>
+        <a:xfrm>
+          <a:off x="0" y="0"/>
+          <a:ext cx="0" cy="0"/>
+          <a:chOff x="0" y="0"/>
+          <a:chExt cx="0" cy="0"/>
+        </a:xfrm>
+      </p:grpSpPr>
+      <p:pic>
+        <p:nvPicPr>
+          <p:cNvPr id="4" name="WhatsApp Video 2019-08-23 at 14.58.22">
+            <a:hlinkClick r:id="" action="ppaction://media"/>
+            <a:extLst>
+              <a:ext uri="{FF2B5EF4-FFF2-40B4-BE49-F238E27FC236}">
+                <a16:creationId xmlns:a16="http://schemas.microsoft.com/office/drawing/2014/main" id="{6E0D5F02-0EFD-4B8F-B4B6-F3EB91F08013}"/>
+              </a:ext>
+            </a:extLst>
+          </p:cNvPr>
+          <p:cNvPicPr>
+            <a:picLocks noGrp="1" noChangeAspect="1"/>
+          </p:cNvPicPr>
+          <p:nvPr>
+            <p:ph idx="1"/>
+            <a:videoFile r:link="rId2"/>
+            <p:extLst>
+              <p:ext uri="{DAA4B4D4-6D71-4841-9C94-3DE7FCFB9230}">
+                <p14:media xmlns:p14="http://schemas.microsoft.com/office/powerpoint/2010/main" r:embed="rId1"/>
+              </p:ext>
+            </p:extLst>
+          </p:nvPr>
+        </p:nvPicPr>
+        <p:blipFill>
+          <a:blip r:embed="rId4"/>
+          <a:stretch>
+            <a:fillRect/>
+          </a:stretch>
+        </p:blipFill>
+        <p:spPr>
+          <a:xfrm>
+            <a:off x="4261282" y="42021"/>
+            <a:ext cx="3045040" cy="6608447"/>
+          </a:xfrm>
+        </p:spPr>
+      </p:pic>
+    </p:spTree>
+    <p:extLst>
+      <p:ext uri="{BB962C8B-B14F-4D97-AF65-F5344CB8AC3E}">
+        <p14:creationId xmlns:p14="http://schemas.microsoft.com/office/powerpoint/2010/main" val="756063170"/>
+      </p:ext>
+    </p:extLst>
+  </p:cSld>
+  <p:clrMapOvr>
+    <a:masterClrMapping/>
+  </p:clrMapOvr>
+  <p:timing>
+    <p:tnLst>
+      <p:par>
+        <p:cTn id="1" dur="indefinite" restart="never" nodeType="tmRoot">
+          <p:childTnLst>
+            <p:seq concurrent="1" nextAc="seek">
+              <p:cTn id="2" dur="indefinite" nodeType="mainSeq">
+                <p:childTnLst>
+                  <p:par>
+                    <p:cTn id="3" fill="hold">
+                      <p:stCondLst>
+                        <p:cond delay="indefinite"/>
+                      </p:stCondLst>
+                      <p:childTnLst>
+                        <p:par>
+                          <p:cTn id="4" fill="hold">
+                            <p:stCondLst>
+                              <p:cond delay="0"/>
+                            </p:stCondLst>
+                            <p:childTnLst>
+                              <p:par>
+                                <p:cTn id="5" presetID="1" presetClass="mediacall" presetSubtype="0" fill="hold" nodeType="clickEffect">
+                                  <p:stCondLst>
+                                    <p:cond delay="0"/>
+                                  </p:stCondLst>
+                                  <p:childTnLst>
+                                    <p:cmd type="call" cmd="playFrom(0.0)">
+                                      <p:cBhvr>
+                                        <p:cTn id="6" dur="30585" fill="hold"/>
+                                        <p:tgtEl>
+                                          <p:spTgt spid="4"/>
+                                        </p:tgtEl>
+                                      </p:cBhvr>
+                                    </p:cmd>
+                                  </p:childTnLst>
+                                </p:cTn>
+                              </p:par>
+                            </p:childTnLst>
+                          </p:cTn>
+                        </p:par>
+                      </p:childTnLst>
+                    </p:cTn>
+                  </p:par>
+                </p:childTnLst>
+              </p:cTn>
+              <p:prevCondLst>
+                <p:cond evt="onPrev" delay="0">
+                  <p:tgtEl>
+                    <p:sldTgt/>
+                  </p:tgtEl>
+                </p:cond>
+              </p:prevCondLst>
+              <p:nextCondLst>
+                <p:cond evt="onNext" delay="0">
+                  <p:tgtEl>
+                    <p:sldTgt/>
+                  </p:tgtEl>
+                </p:cond>
+              </p:nextCondLst>
+            </p:seq>
+            <p:video>
+              <p:cMediaNode vol="80000">
+                <p:cTn id="7" fill="hold" display="0">
+                  <p:stCondLst>
+                    <p:cond delay="indefinite"/>
+                  </p:stCondLst>
+                </p:cTn>
+                <p:tgtEl>
+                  <p:spTgt spid="4"/>
+                </p:tgtEl>
+              </p:cMediaNode>
+            </p:video>
+            <p:seq concurrent="1" nextAc="seek">
+              <p:cTn id="8" restart="whenNotActive" fill="hold" evtFilter="cancelBubble" nodeType="interactiveSeq">
+                <p:stCondLst>
+                  <p:cond evt="onClick" delay="0">
+                    <p:tgtEl>
+                      <p:spTgt spid="4"/>
+                    </p:tgtEl>
+                  </p:cond>
+                </p:stCondLst>
+                <p:endSync evt="end" delay="0">
+                  <p:rtn val="all"/>
+                </p:endSync>
+                <p:childTnLst>
+                  <p:par>
+                    <p:cTn id="9" fill="hold">
+                      <p:stCondLst>
+                        <p:cond delay="0"/>
+                      </p:stCondLst>
+                      <p:childTnLst>
+                        <p:par>
+                          <p:cTn id="10" fill="hold">
+                            <p:stCondLst>
+                              <p:cond delay="0"/>
+                            </p:stCondLst>
+                            <p:childTnLst>
+                              <p:par>
+                                <p:cTn id="11" presetID="2" presetClass="mediacall" presetSubtype="0" fill="hold" nodeType="clickEffect">
+                                  <p:stCondLst>
+                                    <p:cond delay="0"/>
+                                  </p:stCondLst>
+                                  <p:childTnLst>
+                                    <p:cmd type="call" cmd="togglePause">
+                                      <p:cBhvr>
+                                        <p:cTn id="12" dur="1" fill="hold"/>
+                                        <p:tgtEl>
+                                          <p:spTgt spid="4"/>
+                                        </p:tgtEl>
+                                      </p:cBhvr>
+                                    </p:cmd>
+                                  </p:childTnLst>
+                                </p:cTn>
+                              </p:par>
+                            </p:childTnLst>
+                          </p:cTn>
+                        </p:par>
+                      </p:childTnLst>
+                    </p:cTn>
+                  </p:par>
+                </p:childTnLst>
+              </p:cTn>
+              <p:nextCondLst>
+                <p:cond evt="onClick" delay="0">
+                  <p:tgtEl>
+                    <p:spTgt spid="4"/>
+                  </p:tgtEl>
+                </p:cond>
+              </p:nextCondLst>
+            </p:seq>
+          </p:childTnLst>
+        </p:cTn>
+      </p:par>
+    </p:tnLst>
+  </p:timing>
+</p:sld>
+</file>
+
+<file path=ppt/slides/slide11.xml><?xml version="1.0" encoding="utf-8"?>
 <p:sld xmlns:a="http://schemas.openxmlformats.org/drawingml/2006/main" xmlns:r="http://schemas.openxmlformats.org/officeDocument/2006/relationships" xmlns:p="http://schemas.openxmlformats.org/presentationml/2006/main">
   <p:cSld>
     <p:spTree>
@@ -12685,7 +12887,7 @@
 </p:sld>
 </file>
 
-<file path=ppt/slides/slide11.xml><?xml version="1.0" encoding="utf-8"?>
+<file path=ppt/slides/slide12.xml><?xml version="1.0" encoding="utf-8"?>
 <p:sld xmlns:a="http://schemas.openxmlformats.org/drawingml/2006/main" xmlns:r="http://schemas.openxmlformats.org/officeDocument/2006/relationships" xmlns:p="http://schemas.openxmlformats.org/presentationml/2006/main">
   <p:cSld>
     <p:spTree>
@@ -12865,13 +13067,13 @@
   <p:clrMapOvr>
     <a:masterClrMapping/>
   </p:clrMapOvr>
-  <mc:AlternateContent xmlns:mc="http://schemas.openxmlformats.org/markup-compatibility/2006">
-    <mc:Choice xmlns:p159="http://schemas.microsoft.com/office/powerpoint/2015/09/main" Requires="p159">
+  <mc:AlternateContent xmlns:mc="http://schemas.openxmlformats.org/markup-compatibility/2006" xmlns:p159="http://schemas.microsoft.com/office/powerpoint/2015/09/main">
+    <mc:Choice Requires="p159">
       <p:transition xmlns:p14="http://schemas.microsoft.com/office/powerpoint/2010/main" spd="slow" p14:dur="2000">
         <p159:morph option="byObject"/>
       </p:transition>
     </mc:Choice>
-    <mc:Fallback>
+    <mc:Fallback xmlns="">
       <p:transition spd="slow">
         <p:fade/>
       </p:transition>
@@ -13092,13 +13294,13 @@
   <p:clrMapOvr>
     <a:masterClrMapping/>
   </p:clrMapOvr>
-  <mc:AlternateContent xmlns:mc="http://schemas.openxmlformats.org/markup-compatibility/2006">
-    <mc:Choice xmlns:p159="http://schemas.microsoft.com/office/powerpoint/2015/09/main" Requires="p159">
+  <mc:AlternateContent xmlns:mc="http://schemas.openxmlformats.org/markup-compatibility/2006" xmlns:p159="http://schemas.microsoft.com/office/powerpoint/2015/09/main">
+    <mc:Choice Requires="p159">
       <p:transition xmlns:p14="http://schemas.microsoft.com/office/powerpoint/2010/main" spd="slow" p14:dur="2000">
         <p159:morph option="byObject"/>
       </p:transition>
     </mc:Choice>
-    <mc:Fallback>
+    <mc:Fallback xmlns="">
       <p:transition spd="slow">
         <p:fade/>
       </p:transition>
